--- a/チュートリアル_コード説明.pptx
+++ b/チュートリアル_コード説明.pptx
@@ -9,16 +9,15 @@
     <p:sldId id="258" r:id="rId3"/>
     <p:sldId id="257" r:id="rId4"/>
     <p:sldId id="269" r:id="rId5"/>
-    <p:sldId id="276" r:id="rId6"/>
-    <p:sldId id="274" r:id="rId7"/>
-    <p:sldId id="260" r:id="rId8"/>
-    <p:sldId id="270" r:id="rId9"/>
-    <p:sldId id="271" r:id="rId10"/>
-    <p:sldId id="259" r:id="rId11"/>
-    <p:sldId id="261" r:id="rId12"/>
-    <p:sldId id="262" r:id="rId13"/>
-    <p:sldId id="267" r:id="rId14"/>
-    <p:sldId id="275" r:id="rId15"/>
+    <p:sldId id="274" r:id="rId6"/>
+    <p:sldId id="260" r:id="rId7"/>
+    <p:sldId id="270" r:id="rId8"/>
+    <p:sldId id="271" r:id="rId9"/>
+    <p:sldId id="259" r:id="rId10"/>
+    <p:sldId id="261" r:id="rId11"/>
+    <p:sldId id="262" r:id="rId12"/>
+    <p:sldId id="267" r:id="rId13"/>
+    <p:sldId id="275" r:id="rId14"/>
   </p:sldIdLst>
   <p:sldSz cx="12192000" cy="6858000"/>
   <p:notesSz cx="6858000" cy="9144000"/>
@@ -272,7 +271,7 @@
           <a:p>
             <a:fld id="{DB1451BC-E6DC-4EF6-BC2B-BCF7ED626034}" type="datetimeFigureOut">
               <a:rPr kumimoji="1" lang="ja-JP" altLang="en-US" smtClean="0"/>
-              <a:t>2023/11/21</a:t>
+              <a:t>2023/11/29</a:t>
             </a:fld>
             <a:endParaRPr kumimoji="1" lang="ja-JP" altLang="en-US"/>
           </a:p>
@@ -502,7 +501,7 @@
           <a:p>
             <a:fld id="{DB1451BC-E6DC-4EF6-BC2B-BCF7ED626034}" type="datetimeFigureOut">
               <a:rPr kumimoji="1" lang="ja-JP" altLang="en-US" smtClean="0"/>
-              <a:t>2023/11/21</a:t>
+              <a:t>2023/11/29</a:t>
             </a:fld>
             <a:endParaRPr kumimoji="1" lang="ja-JP" altLang="en-US"/>
           </a:p>
@@ -742,7 +741,7 @@
           <a:p>
             <a:fld id="{DB1451BC-E6DC-4EF6-BC2B-BCF7ED626034}" type="datetimeFigureOut">
               <a:rPr kumimoji="1" lang="ja-JP" altLang="en-US" smtClean="0"/>
-              <a:t>2023/11/21</a:t>
+              <a:t>2023/11/29</a:t>
             </a:fld>
             <a:endParaRPr kumimoji="1" lang="ja-JP" altLang="en-US"/>
           </a:p>
@@ -972,7 +971,7 @@
           <a:p>
             <a:fld id="{DB1451BC-E6DC-4EF6-BC2B-BCF7ED626034}" type="datetimeFigureOut">
               <a:rPr kumimoji="1" lang="ja-JP" altLang="en-US" smtClean="0"/>
-              <a:t>2023/11/21</a:t>
+              <a:t>2023/11/29</a:t>
             </a:fld>
             <a:endParaRPr kumimoji="1" lang="ja-JP" altLang="en-US"/>
           </a:p>
@@ -1247,7 +1246,7 @@
           <a:p>
             <a:fld id="{DB1451BC-E6DC-4EF6-BC2B-BCF7ED626034}" type="datetimeFigureOut">
               <a:rPr kumimoji="1" lang="ja-JP" altLang="en-US" smtClean="0"/>
-              <a:t>2023/11/21</a:t>
+              <a:t>2023/11/29</a:t>
             </a:fld>
             <a:endParaRPr kumimoji="1" lang="ja-JP" altLang="en-US"/>
           </a:p>
@@ -1576,7 +1575,7 @@
           <a:p>
             <a:fld id="{DB1451BC-E6DC-4EF6-BC2B-BCF7ED626034}" type="datetimeFigureOut">
               <a:rPr kumimoji="1" lang="ja-JP" altLang="en-US" smtClean="0"/>
-              <a:t>2023/11/21</a:t>
+              <a:t>2023/11/29</a:t>
             </a:fld>
             <a:endParaRPr kumimoji="1" lang="ja-JP" altLang="en-US"/>
           </a:p>
@@ -2052,7 +2051,7 @@
           <a:p>
             <a:fld id="{DB1451BC-E6DC-4EF6-BC2B-BCF7ED626034}" type="datetimeFigureOut">
               <a:rPr kumimoji="1" lang="ja-JP" altLang="en-US" smtClean="0"/>
-              <a:t>2023/11/21</a:t>
+              <a:t>2023/11/29</a:t>
             </a:fld>
             <a:endParaRPr kumimoji="1" lang="ja-JP" altLang="en-US"/>
           </a:p>
@@ -2193,7 +2192,7 @@
           <a:p>
             <a:fld id="{DB1451BC-E6DC-4EF6-BC2B-BCF7ED626034}" type="datetimeFigureOut">
               <a:rPr kumimoji="1" lang="ja-JP" altLang="en-US" smtClean="0"/>
-              <a:t>2023/11/21</a:t>
+              <a:t>2023/11/29</a:t>
             </a:fld>
             <a:endParaRPr kumimoji="1" lang="ja-JP" altLang="en-US"/>
           </a:p>
@@ -2306,7 +2305,7 @@
           <a:p>
             <a:fld id="{DB1451BC-E6DC-4EF6-BC2B-BCF7ED626034}" type="datetimeFigureOut">
               <a:rPr kumimoji="1" lang="ja-JP" altLang="en-US" smtClean="0"/>
-              <a:t>2023/11/21</a:t>
+              <a:t>2023/11/29</a:t>
             </a:fld>
             <a:endParaRPr kumimoji="1" lang="ja-JP" altLang="en-US"/>
           </a:p>
@@ -2649,7 +2648,7 @@
           <a:p>
             <a:fld id="{DB1451BC-E6DC-4EF6-BC2B-BCF7ED626034}" type="datetimeFigureOut">
               <a:rPr kumimoji="1" lang="ja-JP" altLang="en-US" smtClean="0"/>
-              <a:t>2023/11/21</a:t>
+              <a:t>2023/11/29</a:t>
             </a:fld>
             <a:endParaRPr kumimoji="1" lang="ja-JP" altLang="en-US"/>
           </a:p>
@@ -2937,7 +2936,7 @@
           <a:p>
             <a:fld id="{DB1451BC-E6DC-4EF6-BC2B-BCF7ED626034}" type="datetimeFigureOut">
               <a:rPr kumimoji="1" lang="ja-JP" altLang="en-US" smtClean="0"/>
-              <a:t>2023/11/21</a:t>
+              <a:t>2023/11/29</a:t>
             </a:fld>
             <a:endParaRPr kumimoji="1" lang="ja-JP" altLang="en-US"/>
           </a:p>
@@ -3210,7 +3209,7 @@
           <a:p>
             <a:fld id="{DB1451BC-E6DC-4EF6-BC2B-BCF7ED626034}" type="datetimeFigureOut">
               <a:rPr kumimoji="1" lang="ja-JP" altLang="en-US" smtClean="0"/>
-              <a:t>2023/11/21</a:t>
+              <a:t>2023/11/29</a:t>
             </a:fld>
             <a:endParaRPr kumimoji="1" lang="ja-JP" altLang="en-US"/>
           </a:p>
@@ -3759,804 +3758,6 @@
           <a:lstStyle/>
           <a:p>
             <a:r>
-              <a:rPr kumimoji="1" lang="en-US" altLang="ja-JP" sz="3200" dirty="0">
-                <a:latin typeface="Times New Roman" panose="02020603050405020304" pitchFamily="18" charset="0"/>
-                <a:cs typeface="Times New Roman" panose="02020603050405020304" pitchFamily="18" charset="0"/>
-              </a:rPr>
-              <a:t>Setup</a:t>
-            </a:r>
-            <a:endParaRPr kumimoji="1" lang="ja-JP" altLang="en-US" sz="3200" dirty="0">
-              <a:latin typeface="Times New Roman" panose="02020603050405020304" pitchFamily="18" charset="0"/>
-              <a:cs typeface="Times New Roman" panose="02020603050405020304" pitchFamily="18" charset="0"/>
-            </a:endParaRPr>
-          </a:p>
-        </p:txBody>
-      </p:sp>
-      <p:sp>
-        <p:nvSpPr>
-          <p:cNvPr id="3" name="テキスト ボックス 2">
-            <a:extLst>
-              <a:ext uri="{FF2B5EF4-FFF2-40B4-BE49-F238E27FC236}">
-                <a16:creationId xmlns:a16="http://schemas.microsoft.com/office/drawing/2014/main" id="{64C4905B-3B51-04C8-6A4F-A457D39BA2C5}"/>
-              </a:ext>
-            </a:extLst>
-          </p:cNvPr>
-          <p:cNvSpPr txBox="1"/>
-          <p:nvPr/>
-        </p:nvSpPr>
-        <p:spPr>
-          <a:xfrm>
-            <a:off x="838200" y="1500534"/>
-            <a:ext cx="10985625" cy="1631216"/>
-          </a:xfrm>
-          <a:prstGeom prst="rect">
-            <a:avLst/>
-          </a:prstGeom>
-          <a:noFill/>
-        </p:spPr>
-        <p:txBody>
-          <a:bodyPr wrap="square" rtlCol="0">
-            <a:spAutoFit/>
-          </a:bodyPr>
-          <a:lstStyle/>
-          <a:p>
-            <a:r>
-              <a:rPr kumimoji="1" lang="en-US" altLang="ja-JP" sz="2000" dirty="0">
-                <a:latin typeface="Times New Roman" panose="02020603050405020304" pitchFamily="18" charset="0"/>
-                <a:cs typeface="Times New Roman" panose="02020603050405020304" pitchFamily="18" charset="0"/>
-              </a:rPr>
-              <a:t>Setup.txt	</a:t>
-            </a:r>
-            <a:r>
-              <a:rPr kumimoji="1" lang="ja-JP" altLang="en-US" sz="2000" dirty="0">
-                <a:latin typeface="Times New Roman" panose="02020603050405020304" pitchFamily="18" charset="0"/>
-                <a:cs typeface="Times New Roman" panose="02020603050405020304" pitchFamily="18" charset="0"/>
-              </a:rPr>
-              <a:t>中のコマンド</a:t>
-            </a:r>
-            <a:endParaRPr kumimoji="1" lang="en-US" altLang="ja-JP" sz="2000" dirty="0">
-              <a:latin typeface="Times New Roman" panose="02020603050405020304" pitchFamily="18" charset="0"/>
-              <a:cs typeface="Times New Roman" panose="02020603050405020304" pitchFamily="18" charset="0"/>
-            </a:endParaRPr>
-          </a:p>
-          <a:p>
-            <a:endParaRPr kumimoji="1" lang="en-US" altLang="ja-JP" sz="2000" dirty="0">
-              <a:latin typeface="Times New Roman" panose="02020603050405020304" pitchFamily="18" charset="0"/>
-              <a:cs typeface="Times New Roman" panose="02020603050405020304" pitchFamily="18" charset="0"/>
-            </a:endParaRPr>
-          </a:p>
-          <a:p>
-            <a:r>
-              <a:rPr kumimoji="1" lang="en-US" altLang="ja-JP" sz="2000" dirty="0">
-                <a:latin typeface="Times New Roman" panose="02020603050405020304" pitchFamily="18" charset="0"/>
-                <a:cs typeface="Times New Roman" panose="02020603050405020304" pitchFamily="18" charset="0"/>
-              </a:rPr>
-              <a:t>pip install </a:t>
-            </a:r>
-            <a:r>
-              <a:rPr kumimoji="1" lang="en-US" altLang="ja-JP" sz="2000" dirty="0" err="1">
-                <a:latin typeface="Times New Roman" panose="02020603050405020304" pitchFamily="18" charset="0"/>
-                <a:cs typeface="Times New Roman" panose="02020603050405020304" pitchFamily="18" charset="0"/>
-              </a:rPr>
-              <a:t>GPy</a:t>
-            </a:r>
-            <a:r>
-              <a:rPr kumimoji="1" lang="en-US" altLang="ja-JP" sz="2000" dirty="0">
-                <a:latin typeface="Times New Roman" panose="02020603050405020304" pitchFamily="18" charset="0"/>
-                <a:cs typeface="Times New Roman" panose="02020603050405020304" pitchFamily="18" charset="0"/>
-              </a:rPr>
-              <a:t> </a:t>
-            </a:r>
-            <a:r>
-              <a:rPr kumimoji="1" lang="en-US" altLang="ja-JP" sz="2000" dirty="0" err="1">
-                <a:latin typeface="Times New Roman" panose="02020603050405020304" pitchFamily="18" charset="0"/>
-                <a:cs typeface="Times New Roman" panose="02020603050405020304" pitchFamily="18" charset="0"/>
-              </a:rPr>
-              <a:t>GPyOpt</a:t>
-            </a:r>
-            <a:r>
-              <a:rPr kumimoji="1" lang="en-US" altLang="ja-JP" sz="2000" dirty="0">
-                <a:latin typeface="Times New Roman" panose="02020603050405020304" pitchFamily="18" charset="0"/>
-                <a:cs typeface="Times New Roman" panose="02020603050405020304" pitchFamily="18" charset="0"/>
-              </a:rPr>
-              <a:t> </a:t>
-            </a:r>
-            <a:r>
-              <a:rPr kumimoji="1" lang="en-US" altLang="ja-JP" sz="2000" dirty="0" err="1">
-                <a:latin typeface="Times New Roman" panose="02020603050405020304" pitchFamily="18" charset="0"/>
-                <a:cs typeface="Times New Roman" panose="02020603050405020304" pitchFamily="18" charset="0"/>
-              </a:rPr>
-              <a:t>git+https</a:t>
-            </a:r>
-            <a:r>
-              <a:rPr kumimoji="1" lang="en-US" altLang="ja-JP" sz="2000" dirty="0">
-                <a:latin typeface="Times New Roman" panose="02020603050405020304" pitchFamily="18" charset="0"/>
-                <a:cs typeface="Times New Roman" panose="02020603050405020304" pitchFamily="18" charset="0"/>
-              </a:rPr>
-              <a:t>://github.com/ocelot-collab/</a:t>
-            </a:r>
-            <a:r>
-              <a:rPr kumimoji="1" lang="en-US" altLang="ja-JP" sz="2000" dirty="0" err="1">
-                <a:latin typeface="Times New Roman" panose="02020603050405020304" pitchFamily="18" charset="0"/>
-                <a:cs typeface="Times New Roman" panose="02020603050405020304" pitchFamily="18" charset="0"/>
-              </a:rPr>
-              <a:t>ocelot.git</a:t>
-            </a:r>
-            <a:r>
-              <a:rPr kumimoji="1" lang="en-US" altLang="ja-JP" sz="2000" dirty="0">
-                <a:latin typeface="Times New Roman" panose="02020603050405020304" pitchFamily="18" charset="0"/>
-                <a:cs typeface="Times New Roman" panose="02020603050405020304" pitchFamily="18" charset="0"/>
-              </a:rPr>
-              <a:t> </a:t>
-            </a:r>
-            <a:r>
-              <a:rPr kumimoji="1" lang="en-US" altLang="ja-JP" sz="2000" dirty="0" err="1">
-                <a:latin typeface="Times New Roman" panose="02020603050405020304" pitchFamily="18" charset="0"/>
-                <a:cs typeface="Times New Roman" panose="02020603050405020304" pitchFamily="18" charset="0"/>
-              </a:rPr>
-              <a:t>pyfftw</a:t>
-            </a:r>
-            <a:r>
-              <a:rPr kumimoji="1" lang="en-US" altLang="ja-JP" sz="2000" dirty="0">
-                <a:latin typeface="Times New Roman" panose="02020603050405020304" pitchFamily="18" charset="0"/>
-                <a:cs typeface="Times New Roman" panose="02020603050405020304" pitchFamily="18" charset="0"/>
-              </a:rPr>
-              <a:t> </a:t>
-            </a:r>
-            <a:r>
-              <a:rPr kumimoji="1" lang="en-US" altLang="ja-JP" sz="2000" dirty="0" err="1">
-                <a:latin typeface="Times New Roman" panose="02020603050405020304" pitchFamily="18" charset="0"/>
-                <a:cs typeface="Times New Roman" panose="02020603050405020304" pitchFamily="18" charset="0"/>
-              </a:rPr>
-              <a:t>numexpr</a:t>
-            </a:r>
-            <a:r>
-              <a:rPr kumimoji="1" lang="en-US" altLang="ja-JP" sz="2000" dirty="0">
-                <a:latin typeface="Times New Roman" panose="02020603050405020304" pitchFamily="18" charset="0"/>
-                <a:cs typeface="Times New Roman" panose="02020603050405020304" pitchFamily="18" charset="0"/>
-              </a:rPr>
-              <a:t> </a:t>
-            </a:r>
-            <a:r>
-              <a:rPr kumimoji="1" lang="en-US" altLang="ja-JP" sz="2000" dirty="0" err="1">
-                <a:latin typeface="Times New Roman" panose="02020603050405020304" pitchFamily="18" charset="0"/>
-                <a:cs typeface="Times New Roman" panose="02020603050405020304" pitchFamily="18" charset="0"/>
-              </a:rPr>
-              <a:t>numba</a:t>
-            </a:r>
-            <a:endParaRPr kumimoji="1" lang="en-US" altLang="ja-JP" sz="2000" dirty="0">
-              <a:latin typeface="Times New Roman" panose="02020603050405020304" pitchFamily="18" charset="0"/>
-              <a:cs typeface="Times New Roman" panose="02020603050405020304" pitchFamily="18" charset="0"/>
-            </a:endParaRPr>
-          </a:p>
-          <a:p>
-            <a:endParaRPr lang="en-US" altLang="ja-JP" sz="2000" dirty="0">
-              <a:latin typeface="Times New Roman" panose="02020603050405020304" pitchFamily="18" charset="0"/>
-              <a:cs typeface="Times New Roman" panose="02020603050405020304" pitchFamily="18" charset="0"/>
-            </a:endParaRPr>
-          </a:p>
-          <a:p>
-            <a:r>
-              <a:rPr kumimoji="1" lang="ja-JP" altLang="en-US" sz="2000" dirty="0">
-                <a:latin typeface="Times New Roman" panose="02020603050405020304" pitchFamily="18" charset="0"/>
-                <a:cs typeface="Times New Roman" panose="02020603050405020304" pitchFamily="18" charset="0"/>
-              </a:rPr>
-              <a:t>を</a:t>
-            </a:r>
-            <a:r>
-              <a:rPr lang="en-US" altLang="ja-JP" sz="2000" dirty="0">
-                <a:latin typeface="Times New Roman" panose="02020603050405020304" pitchFamily="18" charset="0"/>
-                <a:cs typeface="Times New Roman" panose="02020603050405020304" pitchFamily="18" charset="0"/>
-              </a:rPr>
-              <a:t>Google </a:t>
-            </a:r>
-            <a:r>
-              <a:rPr lang="en-US" altLang="ja-JP" sz="2000" dirty="0" err="1">
-                <a:latin typeface="Times New Roman" panose="02020603050405020304" pitchFamily="18" charset="0"/>
-                <a:cs typeface="Times New Roman" panose="02020603050405020304" pitchFamily="18" charset="0"/>
-              </a:rPr>
-              <a:t>Colaboratory</a:t>
-            </a:r>
-            <a:r>
-              <a:rPr lang="ja-JP" altLang="en-US" sz="2000" dirty="0">
-                <a:latin typeface="Times New Roman" panose="02020603050405020304" pitchFamily="18" charset="0"/>
-                <a:cs typeface="Times New Roman" panose="02020603050405020304" pitchFamily="18" charset="0"/>
-              </a:rPr>
-              <a:t>で実行</a:t>
-            </a:r>
-            <a:endParaRPr kumimoji="1" lang="en-US" altLang="ja-JP" sz="2000" dirty="0">
-              <a:latin typeface="Times New Roman" panose="02020603050405020304" pitchFamily="18" charset="0"/>
-              <a:cs typeface="Times New Roman" panose="02020603050405020304" pitchFamily="18" charset="0"/>
-            </a:endParaRPr>
-          </a:p>
-        </p:txBody>
-      </p:sp>
-      <p:pic>
-        <p:nvPicPr>
-          <p:cNvPr id="7" name="図 6">
-            <a:extLst>
-              <a:ext uri="{FF2B5EF4-FFF2-40B4-BE49-F238E27FC236}">
-                <a16:creationId xmlns:a16="http://schemas.microsoft.com/office/drawing/2014/main" id="{07C5DD31-79EA-512B-D70B-654B676C0D6B}"/>
-              </a:ext>
-            </a:extLst>
-          </p:cNvPr>
-          <p:cNvPicPr>
-            <a:picLocks noChangeAspect="1"/>
-          </p:cNvPicPr>
-          <p:nvPr/>
-        </p:nvPicPr>
-        <p:blipFill>
-          <a:blip r:embed="rId2"/>
-          <a:stretch>
-            <a:fillRect/>
-          </a:stretch>
-        </p:blipFill>
-        <p:spPr>
-          <a:xfrm>
-            <a:off x="4290255" y="2615033"/>
-            <a:ext cx="7063545" cy="700822"/>
-          </a:xfrm>
-          <a:prstGeom prst="rect">
-            <a:avLst/>
-          </a:prstGeom>
-        </p:spPr>
-      </p:pic>
-      <p:sp>
-        <p:nvSpPr>
-          <p:cNvPr id="9" name="楕円 8">
-            <a:extLst>
-              <a:ext uri="{FF2B5EF4-FFF2-40B4-BE49-F238E27FC236}">
-                <a16:creationId xmlns:a16="http://schemas.microsoft.com/office/drawing/2014/main" id="{F38803B0-8F8B-B9D1-3F4E-B934607D35AD}"/>
-              </a:ext>
-            </a:extLst>
-          </p:cNvPr>
-          <p:cNvSpPr/>
-          <p:nvPr/>
-        </p:nvSpPr>
-        <p:spPr>
-          <a:xfrm>
-            <a:off x="4398898" y="2755958"/>
-            <a:ext cx="363226" cy="361390"/>
-          </a:xfrm>
-          <a:prstGeom prst="ellipse">
-            <a:avLst/>
-          </a:prstGeom>
-          <a:noFill/>
-          <a:ln w="38100">
-            <a:solidFill>
-              <a:srgbClr val="FF0000"/>
-            </a:solidFill>
-          </a:ln>
-        </p:spPr>
-        <p:style>
-          <a:lnRef idx="2">
-            <a:schemeClr val="accent1">
-              <a:shade val="15000"/>
-            </a:schemeClr>
-          </a:lnRef>
-          <a:fillRef idx="1">
-            <a:schemeClr val="accent1"/>
-          </a:fillRef>
-          <a:effectRef idx="0">
-            <a:schemeClr val="accent1"/>
-          </a:effectRef>
-          <a:fontRef idx="minor">
-            <a:schemeClr val="lt1"/>
-          </a:fontRef>
-        </p:style>
-        <p:txBody>
-          <a:bodyPr rtlCol="0" anchor="ctr"/>
-          <a:lstStyle/>
-          <a:p>
-            <a:pPr algn="ctr"/>
-            <a:endParaRPr kumimoji="1" lang="ja-JP" altLang="en-US"/>
-          </a:p>
-        </p:txBody>
-      </p:sp>
-      <p:sp>
-        <p:nvSpPr>
-          <p:cNvPr id="10" name="テキスト ボックス 9">
-            <a:extLst>
-              <a:ext uri="{FF2B5EF4-FFF2-40B4-BE49-F238E27FC236}">
-                <a16:creationId xmlns:a16="http://schemas.microsoft.com/office/drawing/2014/main" id="{041A00E3-5FFC-9F9D-B714-935A74201B74}"/>
-              </a:ext>
-            </a:extLst>
-          </p:cNvPr>
-          <p:cNvSpPr txBox="1"/>
-          <p:nvPr/>
-        </p:nvSpPr>
-        <p:spPr>
-          <a:xfrm>
-            <a:off x="2969537" y="4133584"/>
-            <a:ext cx="5377758" cy="2554545"/>
-          </a:xfrm>
-          <a:prstGeom prst="rect">
-            <a:avLst/>
-          </a:prstGeom>
-          <a:noFill/>
-        </p:spPr>
-        <p:txBody>
-          <a:bodyPr wrap="square" rtlCol="0">
-            <a:spAutoFit/>
-          </a:bodyPr>
-          <a:lstStyle/>
-          <a:p>
-            <a:r>
-              <a:rPr kumimoji="1" lang="en-US" altLang="ja-JP" sz="2000" dirty="0" err="1">
-                <a:latin typeface="Times New Roman" panose="02020603050405020304" pitchFamily="18" charset="0"/>
-                <a:cs typeface="Times New Roman" panose="02020603050405020304" pitchFamily="18" charset="0"/>
-              </a:rPr>
-              <a:t>GPy</a:t>
-            </a:r>
-            <a:r>
-              <a:rPr kumimoji="1" lang="en-US" altLang="ja-JP" sz="2000" dirty="0">
-                <a:latin typeface="Times New Roman" panose="02020603050405020304" pitchFamily="18" charset="0"/>
-                <a:cs typeface="Times New Roman" panose="02020603050405020304" pitchFamily="18" charset="0"/>
-              </a:rPr>
-              <a:t>, </a:t>
-            </a:r>
-            <a:r>
-              <a:rPr kumimoji="1" lang="en-US" altLang="ja-JP" sz="2000" dirty="0" err="1">
-                <a:latin typeface="Times New Roman" panose="02020603050405020304" pitchFamily="18" charset="0"/>
-                <a:cs typeface="Times New Roman" panose="02020603050405020304" pitchFamily="18" charset="0"/>
-              </a:rPr>
-              <a:t>GPyOpt</a:t>
-            </a:r>
-            <a:r>
-              <a:rPr kumimoji="1" lang="en-US" altLang="ja-JP" sz="2000" dirty="0">
-                <a:latin typeface="Times New Roman" panose="02020603050405020304" pitchFamily="18" charset="0"/>
-                <a:cs typeface="Times New Roman" panose="02020603050405020304" pitchFamily="18" charset="0"/>
-              </a:rPr>
-              <a:t>	</a:t>
-            </a:r>
-            <a:r>
-              <a:rPr kumimoji="1" lang="ja-JP" altLang="en-US" sz="2000" dirty="0">
-                <a:latin typeface="Times New Roman" panose="02020603050405020304" pitchFamily="18" charset="0"/>
-                <a:cs typeface="Times New Roman" panose="02020603050405020304" pitchFamily="18" charset="0"/>
-              </a:rPr>
-              <a:t>ベイズ最適化計算用</a:t>
-            </a:r>
-            <a:endParaRPr kumimoji="1" lang="en-US" altLang="ja-JP" sz="2000" dirty="0">
-              <a:latin typeface="Times New Roman" panose="02020603050405020304" pitchFamily="18" charset="0"/>
-              <a:cs typeface="Times New Roman" panose="02020603050405020304" pitchFamily="18" charset="0"/>
-            </a:endParaRPr>
-          </a:p>
-          <a:p>
-            <a:r>
-              <a:rPr lang="en-US" altLang="ja-JP" sz="2000" dirty="0">
-                <a:latin typeface="Times New Roman" panose="02020603050405020304" pitchFamily="18" charset="0"/>
-                <a:cs typeface="Times New Roman" panose="02020603050405020304" pitchFamily="18" charset="0"/>
-              </a:rPr>
-              <a:t>Ocelot		</a:t>
-            </a:r>
-            <a:r>
-              <a:rPr lang="ja-JP" altLang="en-US" sz="2000" dirty="0">
-                <a:latin typeface="Times New Roman" panose="02020603050405020304" pitchFamily="18" charset="0"/>
-                <a:cs typeface="Times New Roman" panose="02020603050405020304" pitchFamily="18" charset="0"/>
-              </a:rPr>
-              <a:t>ビーム軌道計算用</a:t>
-            </a:r>
-            <a:endParaRPr lang="en-US" altLang="ja-JP" sz="2000" dirty="0">
-              <a:latin typeface="Times New Roman" panose="02020603050405020304" pitchFamily="18" charset="0"/>
-              <a:cs typeface="Times New Roman" panose="02020603050405020304" pitchFamily="18" charset="0"/>
-            </a:endParaRPr>
-          </a:p>
-          <a:p>
-            <a:r>
-              <a:rPr lang="ja-JP" altLang="en-US" sz="2000" dirty="0">
-                <a:latin typeface="Times New Roman" panose="02020603050405020304" pitchFamily="18" charset="0"/>
-                <a:cs typeface="Times New Roman" panose="02020603050405020304" pitchFamily="18" charset="0"/>
-              </a:rPr>
-              <a:t>その他</a:t>
-            </a:r>
-            <a:r>
-              <a:rPr lang="en-US" altLang="ja-JP" sz="2000" dirty="0">
-                <a:latin typeface="Times New Roman" panose="02020603050405020304" pitchFamily="18" charset="0"/>
-                <a:cs typeface="Times New Roman" panose="02020603050405020304" pitchFamily="18" charset="0"/>
-              </a:rPr>
-              <a:t>		Ocelot</a:t>
-            </a:r>
-            <a:r>
-              <a:rPr lang="ja-JP" altLang="en-US" sz="2000" dirty="0">
-                <a:latin typeface="Times New Roman" panose="02020603050405020304" pitchFamily="18" charset="0"/>
-                <a:cs typeface="Times New Roman" panose="02020603050405020304" pitchFamily="18" charset="0"/>
-              </a:rPr>
-              <a:t>計算に必要なあれこれ</a:t>
-            </a:r>
-            <a:endParaRPr lang="en-US" altLang="ja-JP" sz="2000" dirty="0">
-              <a:latin typeface="Times New Roman" panose="02020603050405020304" pitchFamily="18" charset="0"/>
-              <a:cs typeface="Times New Roman" panose="02020603050405020304" pitchFamily="18" charset="0"/>
-            </a:endParaRPr>
-          </a:p>
-          <a:p>
-            <a:pPr algn="ctr"/>
-            <a:endParaRPr lang="en-US" altLang="ja-JP" sz="2000" dirty="0">
-              <a:latin typeface="Times New Roman" panose="02020603050405020304" pitchFamily="18" charset="0"/>
-              <a:cs typeface="Times New Roman" panose="02020603050405020304" pitchFamily="18" charset="0"/>
-            </a:endParaRPr>
-          </a:p>
-          <a:p>
-            <a:pPr algn="ctr"/>
-            <a:r>
-              <a:rPr lang="ja-JP" altLang="en-US" sz="2000" dirty="0">
-                <a:latin typeface="Times New Roman" panose="02020603050405020304" pitchFamily="18" charset="0"/>
-                <a:cs typeface="Times New Roman" panose="02020603050405020304" pitchFamily="18" charset="0"/>
-              </a:rPr>
-              <a:t>が</a:t>
-            </a:r>
-            <a:r>
-              <a:rPr lang="en-US" altLang="ja-JP" sz="2000" dirty="0">
-                <a:latin typeface="Times New Roman" panose="02020603050405020304" pitchFamily="18" charset="0"/>
-                <a:cs typeface="Times New Roman" panose="02020603050405020304" pitchFamily="18" charset="0"/>
-              </a:rPr>
-              <a:t>Install</a:t>
-            </a:r>
-            <a:r>
-              <a:rPr lang="ja-JP" altLang="en-US" sz="2000" dirty="0">
-                <a:latin typeface="Times New Roman" panose="02020603050405020304" pitchFamily="18" charset="0"/>
-                <a:cs typeface="Times New Roman" panose="02020603050405020304" pitchFamily="18" charset="0"/>
-              </a:rPr>
-              <a:t>される</a:t>
-            </a:r>
-            <a:endParaRPr lang="en-US" altLang="ja-JP" sz="2000" dirty="0">
-              <a:latin typeface="Times New Roman" panose="02020603050405020304" pitchFamily="18" charset="0"/>
-              <a:cs typeface="Times New Roman" panose="02020603050405020304" pitchFamily="18" charset="0"/>
-            </a:endParaRPr>
-          </a:p>
-          <a:p>
-            <a:pPr algn="ctr"/>
-            <a:endParaRPr lang="en-US" altLang="ja-JP" sz="2000" dirty="0">
-              <a:latin typeface="Times New Roman" panose="02020603050405020304" pitchFamily="18" charset="0"/>
-              <a:cs typeface="Times New Roman" panose="02020603050405020304" pitchFamily="18" charset="0"/>
-            </a:endParaRPr>
-          </a:p>
-          <a:p>
-            <a:pPr algn="ctr"/>
-            <a:r>
-              <a:rPr lang="ja-JP" altLang="en-US" sz="2000" dirty="0">
-                <a:latin typeface="Times New Roman" panose="02020603050405020304" pitchFamily="18" charset="0"/>
-                <a:cs typeface="Times New Roman" panose="02020603050405020304" pitchFamily="18" charset="0"/>
-              </a:rPr>
-              <a:t>ただし</a:t>
-            </a:r>
-            <a:r>
-              <a:rPr kumimoji="1" lang="en-US" altLang="ja-JP" sz="2000" dirty="0">
-                <a:latin typeface="Times New Roman" panose="02020603050405020304" pitchFamily="18" charset="0"/>
-                <a:cs typeface="Times New Roman" panose="02020603050405020304" pitchFamily="18" charset="0"/>
-              </a:rPr>
-              <a:t>Google </a:t>
-            </a:r>
-            <a:r>
-              <a:rPr kumimoji="1" lang="en-US" altLang="ja-JP" sz="2000" dirty="0" err="1">
-                <a:latin typeface="Times New Roman" panose="02020603050405020304" pitchFamily="18" charset="0"/>
-                <a:cs typeface="Times New Roman" panose="02020603050405020304" pitchFamily="18" charset="0"/>
-              </a:rPr>
-              <a:t>Colaboratory</a:t>
-            </a:r>
-            <a:r>
-              <a:rPr kumimoji="1" lang="ja-JP" altLang="en-US" sz="2000" dirty="0">
-                <a:latin typeface="Times New Roman" panose="02020603050405020304" pitchFamily="18" charset="0"/>
-                <a:cs typeface="Times New Roman" panose="02020603050405020304" pitchFamily="18" charset="0"/>
-              </a:rPr>
-              <a:t>の場合、</a:t>
-            </a:r>
-            <a:endParaRPr kumimoji="1" lang="en-US" altLang="ja-JP" sz="2000" dirty="0">
-              <a:latin typeface="Times New Roman" panose="02020603050405020304" pitchFamily="18" charset="0"/>
-              <a:cs typeface="Times New Roman" panose="02020603050405020304" pitchFamily="18" charset="0"/>
-            </a:endParaRPr>
-          </a:p>
-          <a:p>
-            <a:pPr algn="ctr"/>
-            <a:r>
-              <a:rPr kumimoji="1" lang="en-US" altLang="ja-JP" sz="2000" dirty="0">
-                <a:latin typeface="Times New Roman" panose="02020603050405020304" pitchFamily="18" charset="0"/>
-                <a:cs typeface="Times New Roman" panose="02020603050405020304" pitchFamily="18" charset="0"/>
-              </a:rPr>
-              <a:t>12</a:t>
-            </a:r>
-            <a:r>
-              <a:rPr kumimoji="1" lang="ja-JP" altLang="en-US" sz="2000" dirty="0">
-                <a:latin typeface="Times New Roman" panose="02020603050405020304" pitchFamily="18" charset="0"/>
-                <a:cs typeface="Times New Roman" panose="02020603050405020304" pitchFamily="18" charset="0"/>
-              </a:rPr>
-              <a:t>時間でリセットされてしまうため注意</a:t>
-            </a:r>
-            <a:endParaRPr kumimoji="1" lang="en-US" altLang="ja-JP" sz="2000" dirty="0">
-              <a:latin typeface="Times New Roman" panose="02020603050405020304" pitchFamily="18" charset="0"/>
-              <a:cs typeface="Times New Roman" panose="02020603050405020304" pitchFamily="18" charset="0"/>
-            </a:endParaRPr>
-          </a:p>
-        </p:txBody>
-      </p:sp>
-      <p:sp>
-        <p:nvSpPr>
-          <p:cNvPr id="11" name="矢印: 下 10">
-            <a:extLst>
-              <a:ext uri="{FF2B5EF4-FFF2-40B4-BE49-F238E27FC236}">
-                <a16:creationId xmlns:a16="http://schemas.microsoft.com/office/drawing/2014/main" id="{E42D13F6-B817-D947-4619-546AB120EA44}"/>
-              </a:ext>
-            </a:extLst>
-          </p:cNvPr>
-          <p:cNvSpPr/>
-          <p:nvPr/>
-        </p:nvSpPr>
-        <p:spPr>
-          <a:xfrm>
-            <a:off x="5214796" y="3570699"/>
-            <a:ext cx="506994" cy="445978"/>
-          </a:xfrm>
-          <a:prstGeom prst="downArrow">
-            <a:avLst/>
-          </a:prstGeom>
-          <a:solidFill>
-            <a:schemeClr val="tx1"/>
-          </a:solidFill>
-          <a:ln>
-            <a:solidFill>
-              <a:schemeClr val="tx1"/>
-            </a:solidFill>
-          </a:ln>
-        </p:spPr>
-        <p:style>
-          <a:lnRef idx="2">
-            <a:schemeClr val="accent1">
-              <a:shade val="15000"/>
-            </a:schemeClr>
-          </a:lnRef>
-          <a:fillRef idx="1">
-            <a:schemeClr val="accent1"/>
-          </a:fillRef>
-          <a:effectRef idx="0">
-            <a:schemeClr val="accent1"/>
-          </a:effectRef>
-          <a:fontRef idx="minor">
-            <a:schemeClr val="lt1"/>
-          </a:fontRef>
-        </p:style>
-        <p:txBody>
-          <a:bodyPr rtlCol="0" anchor="ctr"/>
-          <a:lstStyle/>
-          <a:p>
-            <a:pPr algn="ctr"/>
-            <a:endParaRPr kumimoji="1" lang="ja-JP" altLang="en-US"/>
-          </a:p>
-        </p:txBody>
-      </p:sp>
-    </p:spTree>
-    <p:extLst>
-      <p:ext uri="{BB962C8B-B14F-4D97-AF65-F5344CB8AC3E}">
-        <p14:creationId xmlns:p14="http://schemas.microsoft.com/office/powerpoint/2010/main" val="4172456880"/>
-      </p:ext>
-    </p:extLst>
-  </p:cSld>
-  <p:clrMapOvr>
-    <a:masterClrMapping/>
-  </p:clrMapOvr>
-  <p:timing>
-    <p:tnLst>
-      <p:par>
-        <p:cTn id="1" dur="indefinite" restart="never" nodeType="tmRoot">
-          <p:childTnLst>
-            <p:seq concurrent="1" nextAc="seek">
-              <p:cTn id="2" dur="indefinite" nodeType="mainSeq">
-                <p:childTnLst>
-                  <p:par>
-                    <p:cTn id="3" fill="hold">
-                      <p:stCondLst>
-                        <p:cond delay="indefinite"/>
-                      </p:stCondLst>
-                      <p:childTnLst>
-                        <p:par>
-                          <p:cTn id="4" fill="hold">
-                            <p:stCondLst>
-                              <p:cond delay="0"/>
-                            </p:stCondLst>
-                            <p:childTnLst>
-                              <p:par>
-                                <p:cTn id="5" presetID="10" presetClass="entr" presetSubtype="0" fill="hold" grpId="0" nodeType="clickEffect">
-                                  <p:stCondLst>
-                                    <p:cond delay="0"/>
-                                  </p:stCondLst>
-                                  <p:childTnLst>
-                                    <p:set>
-                                      <p:cBhvr>
-                                        <p:cTn id="6" dur="1" fill="hold">
-                                          <p:stCondLst>
-                                            <p:cond delay="0"/>
-                                          </p:stCondLst>
-                                        </p:cTn>
-                                        <p:tgtEl>
-                                          <p:spTgt spid="9"/>
-                                        </p:tgtEl>
-                                        <p:attrNameLst>
-                                          <p:attrName>style.visibility</p:attrName>
-                                        </p:attrNameLst>
-                                      </p:cBhvr>
-                                      <p:to>
-                                        <p:strVal val="visible"/>
-                                      </p:to>
-                                    </p:set>
-                                    <p:animEffect transition="in" filter="fade">
-                                      <p:cBhvr>
-                                        <p:cTn id="7" dur="500"/>
-                                        <p:tgtEl>
-                                          <p:spTgt spid="9"/>
-                                        </p:tgtEl>
-                                      </p:cBhvr>
-                                    </p:animEffect>
-                                  </p:childTnLst>
-                                </p:cTn>
-                              </p:par>
-                            </p:childTnLst>
-                          </p:cTn>
-                        </p:par>
-                      </p:childTnLst>
-                    </p:cTn>
-                  </p:par>
-                  <p:par>
-                    <p:cTn id="8" fill="hold">
-                      <p:stCondLst>
-                        <p:cond delay="indefinite"/>
-                      </p:stCondLst>
-                      <p:childTnLst>
-                        <p:par>
-                          <p:cTn id="9" fill="hold">
-                            <p:stCondLst>
-                              <p:cond delay="0"/>
-                            </p:stCondLst>
-                            <p:childTnLst>
-                              <p:par>
-                                <p:cTn id="10" presetID="10" presetClass="entr" presetSubtype="0" fill="hold" grpId="0" nodeType="clickEffect">
-                                  <p:stCondLst>
-                                    <p:cond delay="0"/>
-                                  </p:stCondLst>
-                                  <p:childTnLst>
-                                    <p:set>
-                                      <p:cBhvr>
-                                        <p:cTn id="11" dur="1" fill="hold">
-                                          <p:stCondLst>
-                                            <p:cond delay="0"/>
-                                          </p:stCondLst>
-                                        </p:cTn>
-                                        <p:tgtEl>
-                                          <p:spTgt spid="10"/>
-                                        </p:tgtEl>
-                                        <p:attrNameLst>
-                                          <p:attrName>style.visibility</p:attrName>
-                                        </p:attrNameLst>
-                                      </p:cBhvr>
-                                      <p:to>
-                                        <p:strVal val="visible"/>
-                                      </p:to>
-                                    </p:set>
-                                    <p:animEffect transition="in" filter="fade">
-                                      <p:cBhvr>
-                                        <p:cTn id="12" dur="500"/>
-                                        <p:tgtEl>
-                                          <p:spTgt spid="10"/>
-                                        </p:tgtEl>
-                                      </p:cBhvr>
-                                    </p:animEffect>
-                                  </p:childTnLst>
-                                </p:cTn>
-                              </p:par>
-                              <p:par>
-                                <p:cTn id="13" presetID="10" presetClass="entr" presetSubtype="0" fill="hold" grpId="0" nodeType="withEffect">
-                                  <p:stCondLst>
-                                    <p:cond delay="0"/>
-                                  </p:stCondLst>
-                                  <p:childTnLst>
-                                    <p:set>
-                                      <p:cBhvr>
-                                        <p:cTn id="14" dur="1" fill="hold">
-                                          <p:stCondLst>
-                                            <p:cond delay="0"/>
-                                          </p:stCondLst>
-                                        </p:cTn>
-                                        <p:tgtEl>
-                                          <p:spTgt spid="11"/>
-                                        </p:tgtEl>
-                                        <p:attrNameLst>
-                                          <p:attrName>style.visibility</p:attrName>
-                                        </p:attrNameLst>
-                                      </p:cBhvr>
-                                      <p:to>
-                                        <p:strVal val="visible"/>
-                                      </p:to>
-                                    </p:set>
-                                    <p:animEffect transition="in" filter="fade">
-                                      <p:cBhvr>
-                                        <p:cTn id="15" dur="500"/>
-                                        <p:tgtEl>
-                                          <p:spTgt spid="11"/>
-                                        </p:tgtEl>
-                                      </p:cBhvr>
-                                    </p:animEffect>
-                                  </p:childTnLst>
-                                </p:cTn>
-                              </p:par>
-                            </p:childTnLst>
-                          </p:cTn>
-                        </p:par>
-                      </p:childTnLst>
-                    </p:cTn>
-                  </p:par>
-                </p:childTnLst>
-              </p:cTn>
-              <p:prevCondLst>
-                <p:cond evt="onPrev" delay="0">
-                  <p:tgtEl>
-                    <p:sldTgt/>
-                  </p:tgtEl>
-                </p:cond>
-              </p:prevCondLst>
-              <p:nextCondLst>
-                <p:cond evt="onNext" delay="0">
-                  <p:tgtEl>
-                    <p:sldTgt/>
-                  </p:tgtEl>
-                </p:cond>
-              </p:nextCondLst>
-            </p:seq>
-          </p:childTnLst>
-        </p:cTn>
-      </p:par>
-    </p:tnLst>
-    <p:bldLst>
-      <p:bldP spid="9" grpId="0" animBg="1"/>
-      <p:bldP spid="10" grpId="0"/>
-      <p:bldP spid="11" grpId="0" animBg="1"/>
-    </p:bldLst>
-  </p:timing>
-</p:sld>
-</file>
-
-<file path=ppt/slides/slide11.xml><?xml version="1.0" encoding="utf-8"?>
-<p:sld xmlns:a="http://schemas.openxmlformats.org/drawingml/2006/main" xmlns:r="http://schemas.openxmlformats.org/officeDocument/2006/relationships" xmlns:p="http://schemas.openxmlformats.org/presentationml/2006/main">
-  <p:cSld>
-    <p:spTree>
-      <p:nvGrpSpPr>
-        <p:cNvPr id="1" name=""/>
-        <p:cNvGrpSpPr/>
-        <p:nvPr/>
-      </p:nvGrpSpPr>
-      <p:grpSpPr>
-        <a:xfrm>
-          <a:off x="0" y="0"/>
-          <a:ext cx="0" cy="0"/>
-          <a:chOff x="0" y="0"/>
-          <a:chExt cx="0" cy="0"/>
-        </a:xfrm>
-      </p:grpSpPr>
-      <p:sp>
-        <p:nvSpPr>
-          <p:cNvPr id="2" name="タイトル 1">
-            <a:extLst>
-              <a:ext uri="{FF2B5EF4-FFF2-40B4-BE49-F238E27FC236}">
-                <a16:creationId xmlns:a16="http://schemas.microsoft.com/office/drawing/2014/main" id="{F34ADC5D-E2F7-806B-3119-EA8AFAE8EB35}"/>
-              </a:ext>
-            </a:extLst>
-          </p:cNvPr>
-          <p:cNvSpPr>
-            <a:spLocks noGrp="1"/>
-          </p:cNvSpPr>
-          <p:nvPr>
-            <p:ph type="title"/>
-          </p:nvPr>
-        </p:nvSpPr>
-        <p:spPr>
-          <a:xfrm>
-            <a:off x="838200" y="365126"/>
-            <a:ext cx="10515600" cy="669348"/>
-          </a:xfrm>
-        </p:spPr>
-        <p:txBody>
-          <a:bodyPr>
-            <a:normAutofit/>
-          </a:bodyPr>
-          <a:lstStyle/>
-          <a:p>
-            <a:r>
               <a:rPr kumimoji="1" lang="ja-JP" altLang="en-US" sz="3200" dirty="0"/>
               <a:t>実行</a:t>
             </a:r>
@@ -4988,7 +4189,7 @@
 </p:sld>
 </file>
 
-<file path=ppt/slides/slide12.xml><?xml version="1.0" encoding="utf-8"?>
+<file path=ppt/slides/slide11.xml><?xml version="1.0" encoding="utf-8"?>
 <p:sld xmlns:a="http://schemas.openxmlformats.org/drawingml/2006/main" xmlns:r="http://schemas.openxmlformats.org/officeDocument/2006/relationships" xmlns:p="http://schemas.openxmlformats.org/presentationml/2006/main">
   <p:cSld>
     <p:spTree>
@@ -5433,7 +4634,7 @@
 </p:sld>
 </file>
 
-<file path=ppt/slides/slide13.xml><?xml version="1.0" encoding="utf-8"?>
+<file path=ppt/slides/slide12.xml><?xml version="1.0" encoding="utf-8"?>
 <p:sld xmlns:a="http://schemas.openxmlformats.org/drawingml/2006/main" xmlns:r="http://schemas.openxmlformats.org/officeDocument/2006/relationships" xmlns:p="http://schemas.openxmlformats.org/presentationml/2006/main">
   <p:cSld>
     <p:spTree>
@@ -5783,7 +4984,7 @@
 </p:sld>
 </file>
 
-<file path=ppt/slides/slide14.xml><?xml version="1.0" encoding="utf-8"?>
+<file path=ppt/slides/slide13.xml><?xml version="1.0" encoding="utf-8"?>
 <p:sld xmlns:a="http://schemas.openxmlformats.org/drawingml/2006/main" xmlns:r="http://schemas.openxmlformats.org/officeDocument/2006/relationships" xmlns:p="http://schemas.openxmlformats.org/presentationml/2006/main">
   <p:cSld>
     <p:spTree>
@@ -7453,76 +6654,6 @@
             </a:r>
             <a:r>
               <a:rPr kumimoji="1" lang="en-US" altLang="ja-JP" sz="3200" dirty="0"/>
-              <a:t>0</a:t>
-            </a:r>
-            <a:endParaRPr kumimoji="1" lang="ja-JP" altLang="en-US" sz="3200" dirty="0"/>
-          </a:p>
-        </p:txBody>
-      </p:sp>
-    </p:spTree>
-    <p:extLst>
-      <p:ext uri="{BB962C8B-B14F-4D97-AF65-F5344CB8AC3E}">
-        <p14:creationId xmlns:p14="http://schemas.microsoft.com/office/powerpoint/2010/main" val="1318826067"/>
-      </p:ext>
-    </p:extLst>
-  </p:cSld>
-  <p:clrMapOvr>
-    <a:masterClrMapping/>
-  </p:clrMapOvr>
-</p:sld>
-</file>
-
-<file path=ppt/slides/slide6.xml><?xml version="1.0" encoding="utf-8"?>
-<p:sld xmlns:a="http://schemas.openxmlformats.org/drawingml/2006/main" xmlns:r="http://schemas.openxmlformats.org/officeDocument/2006/relationships" xmlns:p="http://schemas.openxmlformats.org/presentationml/2006/main">
-  <p:cSld>
-    <p:spTree>
-      <p:nvGrpSpPr>
-        <p:cNvPr id="1" name=""/>
-        <p:cNvGrpSpPr/>
-        <p:nvPr/>
-      </p:nvGrpSpPr>
-      <p:grpSpPr>
-        <a:xfrm>
-          <a:off x="0" y="0"/>
-          <a:ext cx="0" cy="0"/>
-          <a:chOff x="0" y="0"/>
-          <a:chExt cx="0" cy="0"/>
-        </a:xfrm>
-      </p:grpSpPr>
-      <p:sp>
-        <p:nvSpPr>
-          <p:cNvPr id="2" name="タイトル 1">
-            <a:extLst>
-              <a:ext uri="{FF2B5EF4-FFF2-40B4-BE49-F238E27FC236}">
-                <a16:creationId xmlns:a16="http://schemas.microsoft.com/office/drawing/2014/main" id="{F34ADC5D-E2F7-806B-3119-EA8AFAE8EB35}"/>
-              </a:ext>
-            </a:extLst>
-          </p:cNvPr>
-          <p:cNvSpPr>
-            <a:spLocks noGrp="1"/>
-          </p:cNvSpPr>
-          <p:nvPr>
-            <p:ph type="title"/>
-          </p:nvPr>
-        </p:nvSpPr>
-        <p:spPr>
-          <a:xfrm>
-            <a:off x="838200" y="365126"/>
-            <a:ext cx="10515600" cy="669348"/>
-          </a:xfrm>
-        </p:spPr>
-        <p:txBody>
-          <a:bodyPr>
-            <a:normAutofit/>
-          </a:bodyPr>
-          <a:lstStyle/>
-          <a:p>
-            <a:r>
-              <a:rPr kumimoji="1" lang="ja-JP" altLang="en-US" sz="3200" dirty="0"/>
-              <a:t>実行ファイルの中身</a:t>
-            </a:r>
-            <a:r>
-              <a:rPr kumimoji="1" lang="en-US" altLang="ja-JP" sz="3200" dirty="0"/>
               <a:t>1</a:t>
             </a:r>
             <a:endParaRPr kumimoji="1" lang="ja-JP" altLang="en-US" sz="3200" dirty="0"/>
@@ -7764,7 +6895,7 @@
 </p:sld>
 </file>
 
-<file path=ppt/slides/slide7.xml><?xml version="1.0" encoding="utf-8"?>
+<file path=ppt/slides/slide6.xml><?xml version="1.0" encoding="utf-8"?>
 <p:sld xmlns:a="http://schemas.openxmlformats.org/drawingml/2006/main" xmlns:r="http://schemas.openxmlformats.org/officeDocument/2006/relationships" xmlns:p="http://schemas.openxmlformats.org/presentationml/2006/main">
   <p:cSld>
     <p:spTree>
@@ -8493,7 +7624,7 @@
 </p:sld>
 </file>
 
-<file path=ppt/slides/slide8.xml><?xml version="1.0" encoding="utf-8"?>
+<file path=ppt/slides/slide7.xml><?xml version="1.0" encoding="utf-8"?>
 <p:sld xmlns:a="http://schemas.openxmlformats.org/drawingml/2006/main" xmlns:r="http://schemas.openxmlformats.org/officeDocument/2006/relationships" xmlns:p="http://schemas.openxmlformats.org/presentationml/2006/main">
   <p:cSld>
     <p:spTree>
@@ -9741,6 +8872,733 @@
 </p:sld>
 </file>
 
+<file path=ppt/slides/slide8.xml><?xml version="1.0" encoding="utf-8"?>
+<p:sld xmlns:a="http://schemas.openxmlformats.org/drawingml/2006/main" xmlns:r="http://schemas.openxmlformats.org/officeDocument/2006/relationships" xmlns:p="http://schemas.openxmlformats.org/presentationml/2006/main">
+  <p:cSld>
+    <p:spTree>
+      <p:nvGrpSpPr>
+        <p:cNvPr id="1" name=""/>
+        <p:cNvGrpSpPr/>
+        <p:nvPr/>
+      </p:nvGrpSpPr>
+      <p:grpSpPr>
+        <a:xfrm>
+          <a:off x="0" y="0"/>
+          <a:ext cx="0" cy="0"/>
+          <a:chOff x="0" y="0"/>
+          <a:chExt cx="0" cy="0"/>
+        </a:xfrm>
+      </p:grpSpPr>
+      <p:sp>
+        <p:nvSpPr>
+          <p:cNvPr id="2" name="タイトル 1">
+            <a:extLst>
+              <a:ext uri="{FF2B5EF4-FFF2-40B4-BE49-F238E27FC236}">
+                <a16:creationId xmlns:a16="http://schemas.microsoft.com/office/drawing/2014/main" id="{F34ADC5D-E2F7-806B-3119-EA8AFAE8EB35}"/>
+              </a:ext>
+            </a:extLst>
+          </p:cNvPr>
+          <p:cNvSpPr>
+            <a:spLocks noGrp="1"/>
+          </p:cNvSpPr>
+          <p:nvPr>
+            <p:ph type="title"/>
+          </p:nvPr>
+        </p:nvSpPr>
+        <p:spPr>
+          <a:xfrm>
+            <a:off x="838200" y="365126"/>
+            <a:ext cx="10515600" cy="669348"/>
+          </a:xfrm>
+        </p:spPr>
+        <p:txBody>
+          <a:bodyPr>
+            <a:normAutofit/>
+          </a:bodyPr>
+          <a:lstStyle/>
+          <a:p>
+            <a:r>
+              <a:rPr kumimoji="1" lang="ja-JP" altLang="en-US" sz="3200" dirty="0"/>
+              <a:t>実行ファイルの中身</a:t>
+            </a:r>
+            <a:r>
+              <a:rPr kumimoji="1" lang="en-US" altLang="ja-JP" sz="3200" dirty="0"/>
+              <a:t>4</a:t>
+            </a:r>
+            <a:endParaRPr kumimoji="1" lang="ja-JP" altLang="en-US" sz="3200" dirty="0"/>
+          </a:p>
+        </p:txBody>
+      </p:sp>
+      <p:sp>
+        <p:nvSpPr>
+          <p:cNvPr id="4" name="テキスト ボックス 3">
+            <a:extLst>
+              <a:ext uri="{FF2B5EF4-FFF2-40B4-BE49-F238E27FC236}">
+                <a16:creationId xmlns:a16="http://schemas.microsoft.com/office/drawing/2014/main" id="{19318186-06D8-E8DC-2482-F766F55805DC}"/>
+              </a:ext>
+            </a:extLst>
+          </p:cNvPr>
+          <p:cNvSpPr txBox="1"/>
+          <p:nvPr/>
+        </p:nvSpPr>
+        <p:spPr>
+          <a:xfrm>
+            <a:off x="838200" y="991586"/>
+            <a:ext cx="10949412" cy="5724644"/>
+          </a:xfrm>
+          <a:prstGeom prst="rect">
+            <a:avLst/>
+          </a:prstGeom>
+          <a:noFill/>
+        </p:spPr>
+        <p:txBody>
+          <a:bodyPr wrap="square" rtlCol="0">
+            <a:spAutoFit/>
+          </a:bodyPr>
+          <a:lstStyle/>
+          <a:p>
+            <a:r>
+              <a:rPr lang="en-US" altLang="ja-JP" sz="2200" dirty="0">
+                <a:highlight>
+                  <a:srgbClr val="FFFF00"/>
+                </a:highlight>
+                <a:latin typeface="Times New Roman" panose="02020603050405020304" pitchFamily="18" charset="0"/>
+                <a:cs typeface="Times New Roman" panose="02020603050405020304" pitchFamily="18" charset="0"/>
+              </a:rPr>
+              <a:t># ==== Main ====</a:t>
+            </a:r>
+            <a:r>
+              <a:rPr kumimoji="1" lang="ja-JP" altLang="en-US" sz="2200" dirty="0">
+                <a:highlight>
+                  <a:srgbClr val="FFFF00"/>
+                </a:highlight>
+                <a:latin typeface="Times New Roman" panose="02020603050405020304" pitchFamily="18" charset="0"/>
+                <a:cs typeface="Times New Roman" panose="02020603050405020304" pitchFamily="18" charset="0"/>
+              </a:rPr>
+              <a:t> </a:t>
+            </a:r>
+            <a:r>
+              <a:rPr kumimoji="1" lang="ja-JP" altLang="en-US" sz="2200" dirty="0">
+                <a:latin typeface="Times New Roman" panose="02020603050405020304" pitchFamily="18" charset="0"/>
+                <a:cs typeface="Times New Roman" panose="02020603050405020304" pitchFamily="18" charset="0"/>
+              </a:rPr>
+              <a:t>　</a:t>
+            </a:r>
+            <a:r>
+              <a:rPr kumimoji="1" lang="en-US" altLang="ja-JP" sz="2200" dirty="0">
+                <a:latin typeface="Times New Roman" panose="02020603050405020304" pitchFamily="18" charset="0"/>
+                <a:cs typeface="Times New Roman" panose="02020603050405020304" pitchFamily="18" charset="0"/>
+              </a:rPr>
+              <a:t>		</a:t>
+            </a:r>
+            <a:r>
+              <a:rPr lang="en-US" altLang="ja-JP" sz="2000" dirty="0">
+                <a:latin typeface="Times New Roman" panose="02020603050405020304" pitchFamily="18" charset="0"/>
+                <a:cs typeface="Times New Roman" panose="02020603050405020304" pitchFamily="18" charset="0"/>
+              </a:rPr>
+              <a:t>	</a:t>
+            </a:r>
+          </a:p>
+          <a:p>
+            <a:endParaRPr kumimoji="1" lang="en-US" altLang="ja-JP" sz="1200" dirty="0">
+              <a:latin typeface="Times New Roman" panose="02020603050405020304" pitchFamily="18" charset="0"/>
+              <a:cs typeface="Times New Roman" panose="02020603050405020304" pitchFamily="18" charset="0"/>
+            </a:endParaRPr>
+          </a:p>
+          <a:p>
+            <a:r>
+              <a:rPr kumimoji="1" lang="en-US" altLang="ja-JP" sz="2000" dirty="0">
+                <a:latin typeface="Times New Roman" panose="02020603050405020304" pitchFamily="18" charset="0"/>
+                <a:cs typeface="Times New Roman" panose="02020603050405020304" pitchFamily="18" charset="0"/>
+              </a:rPr>
+              <a:t>bounds = ~		</a:t>
+            </a:r>
+            <a:r>
+              <a:rPr kumimoji="1" lang="ja-JP" altLang="en-US" sz="2000" dirty="0">
+                <a:latin typeface="Times New Roman" panose="02020603050405020304" pitchFamily="18" charset="0"/>
+                <a:cs typeface="Times New Roman" panose="02020603050405020304" pitchFamily="18" charset="0"/>
+              </a:rPr>
+              <a:t>各変数</a:t>
+            </a:r>
+            <a:r>
+              <a:rPr kumimoji="1" lang="en-US" altLang="ja-JP" sz="2000" dirty="0">
+                <a:latin typeface="Times New Roman" panose="02020603050405020304" pitchFamily="18" charset="0"/>
+                <a:cs typeface="Times New Roman" panose="02020603050405020304" pitchFamily="18" charset="0"/>
+              </a:rPr>
+              <a:t>(</a:t>
+            </a:r>
+            <a:r>
+              <a:rPr kumimoji="1" lang="ja-JP" altLang="en-US" sz="2000" dirty="0">
+                <a:latin typeface="Times New Roman" panose="02020603050405020304" pitchFamily="18" charset="0"/>
+                <a:cs typeface="Times New Roman" panose="02020603050405020304" pitchFamily="18" charset="0"/>
+              </a:rPr>
+              <a:t>今回は電磁石</a:t>
+            </a:r>
+            <a:r>
+              <a:rPr kumimoji="1" lang="en-US" altLang="ja-JP" sz="2000" dirty="0">
+                <a:latin typeface="Times New Roman" panose="02020603050405020304" pitchFamily="18" charset="0"/>
+                <a:cs typeface="Times New Roman" panose="02020603050405020304" pitchFamily="18" charset="0"/>
+              </a:rPr>
+              <a:t>)</a:t>
+            </a:r>
+            <a:r>
+              <a:rPr kumimoji="1" lang="ja-JP" altLang="en-US" sz="2000" dirty="0">
+                <a:latin typeface="Times New Roman" panose="02020603050405020304" pitchFamily="18" charset="0"/>
+                <a:cs typeface="Times New Roman" panose="02020603050405020304" pitchFamily="18" charset="0"/>
+              </a:rPr>
+              <a:t>の設定範囲</a:t>
+            </a:r>
+            <a:endParaRPr kumimoji="1" lang="en-US" altLang="ja-JP" sz="2000" dirty="0">
+              <a:latin typeface="Times New Roman" panose="02020603050405020304" pitchFamily="18" charset="0"/>
+              <a:cs typeface="Times New Roman" panose="02020603050405020304" pitchFamily="18" charset="0"/>
+            </a:endParaRPr>
+          </a:p>
+          <a:p>
+            <a:r>
+              <a:rPr kumimoji="1" lang="en-US" altLang="ja-JP" sz="2000" dirty="0">
+                <a:latin typeface="Times New Roman" panose="02020603050405020304" pitchFamily="18" charset="0"/>
+                <a:cs typeface="Times New Roman" panose="02020603050405020304" pitchFamily="18" charset="0"/>
+              </a:rPr>
+              <a:t>			continuous: </a:t>
+            </a:r>
+            <a:r>
+              <a:rPr kumimoji="1" lang="ja-JP" altLang="en-US" sz="2000" dirty="0">
+                <a:latin typeface="Times New Roman" panose="02020603050405020304" pitchFamily="18" charset="0"/>
+                <a:cs typeface="Times New Roman" panose="02020603050405020304" pitchFamily="18" charset="0"/>
+              </a:rPr>
+              <a:t>連続的な変数。設定可能範囲を</a:t>
+            </a:r>
+            <a:r>
+              <a:rPr kumimoji="1" lang="en-US" altLang="ja-JP" sz="2000" dirty="0">
+                <a:latin typeface="Times New Roman" panose="02020603050405020304" pitchFamily="18" charset="0"/>
+                <a:cs typeface="Times New Roman" panose="02020603050405020304" pitchFamily="18" charset="0"/>
+              </a:rPr>
+              <a:t>domain</a:t>
+            </a:r>
+            <a:r>
+              <a:rPr kumimoji="1" lang="ja-JP" altLang="en-US" sz="2000" dirty="0">
+                <a:latin typeface="Times New Roman" panose="02020603050405020304" pitchFamily="18" charset="0"/>
+                <a:cs typeface="Times New Roman" panose="02020603050405020304" pitchFamily="18" charset="0"/>
+              </a:rPr>
+              <a:t>に入力。</a:t>
+            </a:r>
+            <a:endParaRPr kumimoji="1" lang="en-US" altLang="ja-JP" sz="2000" dirty="0">
+              <a:latin typeface="Times New Roman" panose="02020603050405020304" pitchFamily="18" charset="0"/>
+              <a:cs typeface="Times New Roman" panose="02020603050405020304" pitchFamily="18" charset="0"/>
+            </a:endParaRPr>
+          </a:p>
+          <a:p>
+            <a:r>
+              <a:rPr lang="en-US" altLang="ja-JP" sz="2000" dirty="0">
+                <a:latin typeface="Times New Roman" panose="02020603050405020304" pitchFamily="18" charset="0"/>
+                <a:cs typeface="Times New Roman" panose="02020603050405020304" pitchFamily="18" charset="0"/>
+              </a:rPr>
+              <a:t>			discrete: </a:t>
+            </a:r>
+            <a:r>
+              <a:rPr lang="ja-JP" altLang="en-US" sz="2000" dirty="0">
+                <a:latin typeface="Times New Roman" panose="02020603050405020304" pitchFamily="18" charset="0"/>
+                <a:cs typeface="Times New Roman" panose="02020603050405020304" pitchFamily="18" charset="0"/>
+              </a:rPr>
+              <a:t>離散的な変数。設定可能な値を配列として</a:t>
+            </a:r>
+            <a:r>
+              <a:rPr lang="en-US" altLang="ja-JP" sz="2000" dirty="0">
+                <a:latin typeface="Times New Roman" panose="02020603050405020304" pitchFamily="18" charset="0"/>
+                <a:cs typeface="Times New Roman" panose="02020603050405020304" pitchFamily="18" charset="0"/>
+              </a:rPr>
+              <a:t>domain</a:t>
+            </a:r>
+            <a:r>
+              <a:rPr lang="ja-JP" altLang="en-US" sz="2000" dirty="0">
+                <a:latin typeface="Times New Roman" panose="02020603050405020304" pitchFamily="18" charset="0"/>
+                <a:cs typeface="Times New Roman" panose="02020603050405020304" pitchFamily="18" charset="0"/>
+              </a:rPr>
+              <a:t>に入力。</a:t>
+            </a:r>
+            <a:endParaRPr lang="en-US" altLang="ja-JP" sz="2000" dirty="0">
+              <a:latin typeface="Times New Roman" panose="02020603050405020304" pitchFamily="18" charset="0"/>
+              <a:cs typeface="Times New Roman" panose="02020603050405020304" pitchFamily="18" charset="0"/>
+            </a:endParaRPr>
+          </a:p>
+          <a:p>
+            <a:endParaRPr kumimoji="1" lang="en-US" altLang="ja-JP" sz="800" dirty="0">
+              <a:latin typeface="Times New Roman" panose="02020603050405020304" pitchFamily="18" charset="0"/>
+              <a:cs typeface="Times New Roman" panose="02020603050405020304" pitchFamily="18" charset="0"/>
+            </a:endParaRPr>
+          </a:p>
+          <a:p>
+            <a:r>
+              <a:rPr kumimoji="1" lang="en-US" altLang="ja-JP" sz="2000" dirty="0" err="1">
+                <a:latin typeface="Times New Roman" panose="02020603050405020304" pitchFamily="18" charset="0"/>
+                <a:cs typeface="Times New Roman" panose="02020603050405020304" pitchFamily="18" charset="0"/>
+              </a:rPr>
+              <a:t>myBopt</a:t>
+            </a:r>
+            <a:r>
+              <a:rPr lang="en-US" altLang="ja-JP" sz="2000" dirty="0">
+                <a:latin typeface="Times New Roman" panose="02020603050405020304" pitchFamily="18" charset="0"/>
+                <a:cs typeface="Times New Roman" panose="02020603050405020304" pitchFamily="18" charset="0"/>
+              </a:rPr>
+              <a:t>	= ~		</a:t>
+            </a:r>
+            <a:r>
+              <a:rPr kumimoji="1" lang="ja-JP" altLang="en-US" sz="2000" dirty="0">
+                <a:latin typeface="Times New Roman" panose="02020603050405020304" pitchFamily="18" charset="0"/>
+                <a:cs typeface="Times New Roman" panose="02020603050405020304" pitchFamily="18" charset="0"/>
+              </a:rPr>
+              <a:t>ベイズ最適化</a:t>
+            </a:r>
+            <a:r>
+              <a:rPr lang="ja-JP" altLang="en-US" sz="2000" dirty="0">
+                <a:latin typeface="Times New Roman" panose="02020603050405020304" pitchFamily="18" charset="0"/>
+                <a:cs typeface="Times New Roman" panose="02020603050405020304" pitchFamily="18" charset="0"/>
+              </a:rPr>
+              <a:t>のモデル</a:t>
+            </a:r>
+            <a:endParaRPr kumimoji="1" lang="en-US" altLang="ja-JP" sz="2000" dirty="0">
+              <a:latin typeface="Times New Roman" panose="02020603050405020304" pitchFamily="18" charset="0"/>
+              <a:cs typeface="Times New Roman" panose="02020603050405020304" pitchFamily="18" charset="0"/>
+            </a:endParaRPr>
+          </a:p>
+          <a:p>
+            <a:endParaRPr lang="en-US" altLang="ja-JP" sz="1200" dirty="0">
+              <a:latin typeface="Times New Roman" panose="02020603050405020304" pitchFamily="18" charset="0"/>
+              <a:cs typeface="Times New Roman" panose="02020603050405020304" pitchFamily="18" charset="0"/>
+            </a:endParaRPr>
+          </a:p>
+          <a:p>
+            <a:pPr marL="800100" lvl="1" indent="-342900">
+              <a:buFont typeface="Arial" panose="020B0604020202020204" pitchFamily="34" charset="0"/>
+              <a:buChar char="•"/>
+            </a:pPr>
+            <a:r>
+              <a:rPr lang="en-US" altLang="ja-JP" sz="2000" b="1" dirty="0">
+                <a:latin typeface="Times New Roman" panose="02020603050405020304" pitchFamily="18" charset="0"/>
+                <a:cs typeface="Times New Roman" panose="02020603050405020304" pitchFamily="18" charset="0"/>
+              </a:rPr>
+              <a:t>f						</a:t>
+            </a:r>
+            <a:r>
+              <a:rPr lang="ja-JP" altLang="en-US" sz="2000" b="1" dirty="0">
+                <a:latin typeface="Times New Roman" panose="02020603050405020304" pitchFamily="18" charset="0"/>
+                <a:cs typeface="Times New Roman" panose="02020603050405020304" pitchFamily="18" charset="0"/>
+              </a:rPr>
+              <a:t>評価関数 </a:t>
+            </a:r>
+            <a:r>
+              <a:rPr lang="en-US" altLang="ja-JP" sz="2000" b="1" dirty="0">
+                <a:latin typeface="Times New Roman" panose="02020603050405020304" pitchFamily="18" charset="0"/>
+                <a:cs typeface="Times New Roman" panose="02020603050405020304" pitchFamily="18" charset="0"/>
+              </a:rPr>
+              <a:t>(</a:t>
+            </a:r>
+            <a:r>
+              <a:rPr lang="en-US" altLang="ja-JP" sz="2000" b="1" dirty="0" err="1">
+                <a:latin typeface="Times New Roman" panose="02020603050405020304" pitchFamily="18" charset="0"/>
+                <a:cs typeface="Times New Roman" panose="02020603050405020304" pitchFamily="18" charset="0"/>
+              </a:rPr>
+              <a:t>eval_func</a:t>
+            </a:r>
+            <a:r>
+              <a:rPr lang="en-US" altLang="ja-JP" sz="2000" b="1" dirty="0">
+                <a:latin typeface="Times New Roman" panose="02020603050405020304" pitchFamily="18" charset="0"/>
+                <a:cs typeface="Times New Roman" panose="02020603050405020304" pitchFamily="18" charset="0"/>
+              </a:rPr>
+              <a:t>)</a:t>
+            </a:r>
+          </a:p>
+          <a:p>
+            <a:pPr marL="800100" lvl="1" indent="-342900">
+              <a:buFont typeface="Arial" panose="020B0604020202020204" pitchFamily="34" charset="0"/>
+              <a:buChar char="•"/>
+            </a:pPr>
+            <a:r>
+              <a:rPr kumimoji="1" lang="en-US" altLang="ja-JP" sz="2000" dirty="0">
+                <a:latin typeface="Times New Roman" panose="02020603050405020304" pitchFamily="18" charset="0"/>
+                <a:cs typeface="Times New Roman" panose="02020603050405020304" pitchFamily="18" charset="0"/>
+              </a:rPr>
+              <a:t>bounds					</a:t>
+            </a:r>
+            <a:r>
+              <a:rPr kumimoji="1" lang="ja-JP" altLang="en-US" sz="2000" dirty="0">
+                <a:latin typeface="Times New Roman" panose="02020603050405020304" pitchFamily="18" charset="0"/>
+                <a:cs typeface="Times New Roman" panose="02020603050405020304" pitchFamily="18" charset="0"/>
+              </a:rPr>
+              <a:t>変数の設定範囲</a:t>
+            </a:r>
+            <a:endParaRPr kumimoji="1" lang="en-US" altLang="ja-JP" sz="2000" dirty="0">
+              <a:latin typeface="Times New Roman" panose="02020603050405020304" pitchFamily="18" charset="0"/>
+              <a:cs typeface="Times New Roman" panose="02020603050405020304" pitchFamily="18" charset="0"/>
+            </a:endParaRPr>
+          </a:p>
+          <a:p>
+            <a:pPr marL="800100" lvl="1" indent="-342900">
+              <a:buFont typeface="Arial" panose="020B0604020202020204" pitchFamily="34" charset="0"/>
+              <a:buChar char="•"/>
+            </a:pPr>
+            <a:r>
+              <a:rPr kumimoji="1" lang="en-US" altLang="ja-JP" sz="2000" b="1" dirty="0" err="1">
+                <a:latin typeface="Times New Roman" panose="02020603050405020304" pitchFamily="18" charset="0"/>
+                <a:cs typeface="Times New Roman" panose="02020603050405020304" pitchFamily="18" charset="0"/>
+              </a:rPr>
+              <a:t>initial_design_number</a:t>
+            </a:r>
+            <a:r>
+              <a:rPr kumimoji="1" lang="en-US" altLang="ja-JP" sz="2000" b="1" dirty="0">
+                <a:latin typeface="Times New Roman" panose="02020603050405020304" pitchFamily="18" charset="0"/>
+                <a:cs typeface="Times New Roman" panose="02020603050405020304" pitchFamily="18" charset="0"/>
+              </a:rPr>
+              <a:t>			</a:t>
+            </a:r>
+            <a:r>
+              <a:rPr kumimoji="1" lang="ja-JP" altLang="en-US" sz="2000" b="1" dirty="0">
+                <a:latin typeface="Times New Roman" panose="02020603050405020304" pitchFamily="18" charset="0"/>
+                <a:cs typeface="Times New Roman" panose="02020603050405020304" pitchFamily="18" charset="0"/>
+              </a:rPr>
+              <a:t>初期条件用のデータサンプリング数</a:t>
+            </a:r>
+            <a:endParaRPr kumimoji="1" lang="en-US" altLang="ja-JP" sz="2000" b="1" dirty="0">
+              <a:latin typeface="Times New Roman" panose="02020603050405020304" pitchFamily="18" charset="0"/>
+              <a:cs typeface="Times New Roman" panose="02020603050405020304" pitchFamily="18" charset="0"/>
+            </a:endParaRPr>
+          </a:p>
+          <a:p>
+            <a:pPr marL="800100" lvl="1" indent="-342900">
+              <a:buFont typeface="Arial" panose="020B0604020202020204" pitchFamily="34" charset="0"/>
+              <a:buChar char="•"/>
+            </a:pPr>
+            <a:r>
+              <a:rPr lang="en-US" altLang="ja-JP" sz="2000" dirty="0" err="1">
+                <a:latin typeface="Times New Roman" panose="02020603050405020304" pitchFamily="18" charset="0"/>
+                <a:cs typeface="Times New Roman" panose="02020603050405020304" pitchFamily="18" charset="0"/>
+              </a:rPr>
+              <a:t>acquisition_type</a:t>
+            </a:r>
+            <a:r>
+              <a:rPr lang="en-US" altLang="ja-JP" sz="2000" dirty="0">
+                <a:latin typeface="Times New Roman" panose="02020603050405020304" pitchFamily="18" charset="0"/>
+                <a:cs typeface="Times New Roman" panose="02020603050405020304" pitchFamily="18" charset="0"/>
+              </a:rPr>
+              <a:t>				</a:t>
+            </a:r>
+            <a:r>
+              <a:rPr lang="ja-JP" altLang="en-US" sz="2000" dirty="0">
+                <a:latin typeface="Times New Roman" panose="02020603050405020304" pitchFamily="18" charset="0"/>
+                <a:cs typeface="Times New Roman" panose="02020603050405020304" pitchFamily="18" charset="0"/>
+              </a:rPr>
+              <a:t>獲得関数 </a:t>
+            </a:r>
+            <a:r>
+              <a:rPr lang="en-US" altLang="ja-JP" sz="2000" dirty="0">
+                <a:latin typeface="Times New Roman" panose="02020603050405020304" pitchFamily="18" charset="0"/>
+                <a:cs typeface="Times New Roman" panose="02020603050405020304" pitchFamily="18" charset="0"/>
+              </a:rPr>
+              <a:t>(LCB,PI,EI)</a:t>
+            </a:r>
+          </a:p>
+          <a:p>
+            <a:pPr marL="800100" lvl="1" indent="-342900">
+              <a:buFont typeface="Arial" panose="020B0604020202020204" pitchFamily="34" charset="0"/>
+              <a:buChar char="•"/>
+            </a:pPr>
+            <a:r>
+              <a:rPr kumimoji="1" lang="en-US" altLang="ja-JP" sz="2000" dirty="0" err="1">
+                <a:latin typeface="Times New Roman" panose="02020603050405020304" pitchFamily="18" charset="0"/>
+                <a:cs typeface="Times New Roman" panose="02020603050405020304" pitchFamily="18" charset="0"/>
+              </a:rPr>
+              <a:t>acquisition_weight</a:t>
+            </a:r>
+            <a:r>
+              <a:rPr kumimoji="1" lang="en-US" altLang="ja-JP" sz="2000" dirty="0">
+                <a:latin typeface="Times New Roman" panose="02020603050405020304" pitchFamily="18" charset="0"/>
+                <a:cs typeface="Times New Roman" panose="02020603050405020304" pitchFamily="18" charset="0"/>
+              </a:rPr>
+              <a:t>,  jitter			</a:t>
+            </a:r>
+            <a:r>
+              <a:rPr lang="ja-JP" altLang="en-US" sz="2000" dirty="0">
+                <a:latin typeface="Times New Roman" panose="02020603050405020304" pitchFamily="18" charset="0"/>
+                <a:cs typeface="Times New Roman" panose="02020603050405020304" pitchFamily="18" charset="0"/>
+              </a:rPr>
+              <a:t>大きいほど探索重視、小さいほど予測重視</a:t>
+            </a:r>
+            <a:endParaRPr kumimoji="1" lang="en-US" altLang="ja-JP" sz="2000" dirty="0">
+              <a:latin typeface="Times New Roman" panose="02020603050405020304" pitchFamily="18" charset="0"/>
+              <a:cs typeface="Times New Roman" panose="02020603050405020304" pitchFamily="18" charset="0"/>
+            </a:endParaRPr>
+          </a:p>
+          <a:p>
+            <a:pPr marL="800100" lvl="1" indent="-342900">
+              <a:buFont typeface="Arial" panose="020B0604020202020204" pitchFamily="34" charset="0"/>
+              <a:buChar char="•"/>
+            </a:pPr>
+            <a:r>
+              <a:rPr kumimoji="1" lang="en-US" altLang="ja-JP" sz="2000" dirty="0" err="1">
+                <a:latin typeface="Times New Roman" panose="02020603050405020304" pitchFamily="18" charset="0"/>
+                <a:cs typeface="Times New Roman" panose="02020603050405020304" pitchFamily="18" charset="0"/>
+              </a:rPr>
+              <a:t>de_duplication</a:t>
+            </a:r>
+            <a:r>
+              <a:rPr kumimoji="1" lang="en-US" altLang="ja-JP" sz="2000" dirty="0">
+                <a:latin typeface="Times New Roman" panose="02020603050405020304" pitchFamily="18" charset="0"/>
+                <a:cs typeface="Times New Roman" panose="02020603050405020304" pitchFamily="18" charset="0"/>
+              </a:rPr>
+              <a:t>			</a:t>
+            </a:r>
+            <a:r>
+              <a:rPr lang="en-US" altLang="ja-JP" sz="2000" dirty="0">
+                <a:latin typeface="Times New Roman" panose="02020603050405020304" pitchFamily="18" charset="0"/>
+                <a:cs typeface="Times New Roman" panose="02020603050405020304" pitchFamily="18" charset="0"/>
+              </a:rPr>
+              <a:t>	</a:t>
+            </a:r>
+            <a:r>
+              <a:rPr lang="ja-JP" altLang="en-US" sz="2000" dirty="0">
+                <a:latin typeface="Times New Roman" panose="02020603050405020304" pitchFamily="18" charset="0"/>
+                <a:cs typeface="Times New Roman" panose="02020603050405020304" pitchFamily="18" charset="0"/>
+              </a:rPr>
+              <a:t>重複したデータのサンプル</a:t>
+            </a:r>
+            <a:r>
+              <a:rPr lang="en-US" altLang="ja-JP" sz="2000" dirty="0">
+                <a:latin typeface="Times New Roman" panose="02020603050405020304" pitchFamily="18" charset="0"/>
+                <a:cs typeface="Times New Roman" panose="02020603050405020304" pitchFamily="18" charset="0"/>
+              </a:rPr>
+              <a:t>(True</a:t>
+            </a:r>
+            <a:r>
+              <a:rPr lang="ja-JP" altLang="en-US" sz="2000" dirty="0">
+                <a:latin typeface="Times New Roman" panose="02020603050405020304" pitchFamily="18" charset="0"/>
+                <a:cs typeface="Times New Roman" panose="02020603050405020304" pitchFamily="18" charset="0"/>
+              </a:rPr>
+              <a:t>で重複しない</a:t>
+            </a:r>
+            <a:r>
+              <a:rPr lang="en-US" altLang="ja-JP" sz="2000" dirty="0">
+                <a:latin typeface="Times New Roman" panose="02020603050405020304" pitchFamily="18" charset="0"/>
+                <a:cs typeface="Times New Roman" panose="02020603050405020304" pitchFamily="18" charset="0"/>
+              </a:rPr>
+              <a:t>)</a:t>
+            </a:r>
+          </a:p>
+          <a:p>
+            <a:pPr marL="800100" lvl="1" indent="-342900">
+              <a:buFont typeface="Arial" panose="020B0604020202020204" pitchFamily="34" charset="0"/>
+              <a:buChar char="•"/>
+            </a:pPr>
+            <a:r>
+              <a:rPr kumimoji="1" lang="en-US" altLang="ja-JP" sz="2000" dirty="0" err="1">
+                <a:latin typeface="Times New Roman" panose="02020603050405020304" pitchFamily="18" charset="0"/>
+                <a:cs typeface="Times New Roman" panose="02020603050405020304" pitchFamily="18" charset="0"/>
+              </a:rPr>
+              <a:t>normalize_Y</a:t>
+            </a:r>
+            <a:r>
+              <a:rPr kumimoji="1" lang="en-US" altLang="ja-JP" sz="2000" dirty="0">
+                <a:latin typeface="Times New Roman" panose="02020603050405020304" pitchFamily="18" charset="0"/>
+                <a:cs typeface="Times New Roman" panose="02020603050405020304" pitchFamily="18" charset="0"/>
+              </a:rPr>
+              <a:t>				</a:t>
+            </a:r>
+            <a:r>
+              <a:rPr kumimoji="1" lang="ja-JP" altLang="en-US" sz="2000" dirty="0">
+                <a:latin typeface="Times New Roman" panose="02020603050405020304" pitchFamily="18" charset="0"/>
+                <a:cs typeface="Times New Roman" panose="02020603050405020304" pitchFamily="18" charset="0"/>
+              </a:rPr>
+              <a:t>評価関数の規格化</a:t>
+            </a:r>
+            <a:endParaRPr kumimoji="1" lang="en-US" altLang="ja-JP" sz="2000" dirty="0">
+              <a:latin typeface="Times New Roman" panose="02020603050405020304" pitchFamily="18" charset="0"/>
+              <a:cs typeface="Times New Roman" panose="02020603050405020304" pitchFamily="18" charset="0"/>
+            </a:endParaRPr>
+          </a:p>
+          <a:p>
+            <a:pPr marL="800100" lvl="1" indent="-342900">
+              <a:buFont typeface="Arial" panose="020B0604020202020204" pitchFamily="34" charset="0"/>
+              <a:buChar char="•"/>
+            </a:pPr>
+            <a:r>
+              <a:rPr kumimoji="1" lang="en-US" altLang="ja-JP" sz="2000" dirty="0">
+                <a:latin typeface="Times New Roman" panose="02020603050405020304" pitchFamily="18" charset="0"/>
+                <a:cs typeface="Times New Roman" panose="02020603050405020304" pitchFamily="18" charset="0"/>
+              </a:rPr>
+              <a:t>maximize					</a:t>
+            </a:r>
+            <a:r>
+              <a:rPr kumimoji="1" lang="ja-JP" altLang="en-US" sz="2000" dirty="0">
+                <a:latin typeface="Times New Roman" panose="02020603050405020304" pitchFamily="18" charset="0"/>
+                <a:cs typeface="Times New Roman" panose="02020603050405020304" pitchFamily="18" charset="0"/>
+              </a:rPr>
+              <a:t>評価関数の最大化</a:t>
+            </a:r>
+            <a:r>
+              <a:rPr kumimoji="1" lang="en-US" altLang="ja-JP" sz="2000" dirty="0">
+                <a:latin typeface="Times New Roman" panose="02020603050405020304" pitchFamily="18" charset="0"/>
+                <a:cs typeface="Times New Roman" panose="02020603050405020304" pitchFamily="18" charset="0"/>
+              </a:rPr>
+              <a:t>(True) or </a:t>
+            </a:r>
+            <a:r>
+              <a:rPr kumimoji="1" lang="ja-JP" altLang="en-US" sz="2000" dirty="0">
+                <a:latin typeface="Times New Roman" panose="02020603050405020304" pitchFamily="18" charset="0"/>
+                <a:cs typeface="Times New Roman" panose="02020603050405020304" pitchFamily="18" charset="0"/>
+              </a:rPr>
+              <a:t>最小化</a:t>
+            </a:r>
+            <a:r>
+              <a:rPr kumimoji="1" lang="en-US" altLang="ja-JP" sz="2000" dirty="0">
+                <a:latin typeface="Times New Roman" panose="02020603050405020304" pitchFamily="18" charset="0"/>
+                <a:cs typeface="Times New Roman" panose="02020603050405020304" pitchFamily="18" charset="0"/>
+              </a:rPr>
+              <a:t>(False)</a:t>
+            </a:r>
+          </a:p>
+          <a:p>
+            <a:endParaRPr lang="en-US" altLang="ja-JP" sz="1200" dirty="0">
+              <a:latin typeface="Times New Roman" panose="02020603050405020304" pitchFamily="18" charset="0"/>
+              <a:cs typeface="Times New Roman" panose="02020603050405020304" pitchFamily="18" charset="0"/>
+            </a:endParaRPr>
+          </a:p>
+          <a:p>
+            <a:r>
+              <a:rPr kumimoji="1" lang="en-US" altLang="ja-JP" sz="2000" b="1" dirty="0" err="1">
+                <a:latin typeface="Times New Roman" panose="02020603050405020304" pitchFamily="18" charset="0"/>
+                <a:cs typeface="Times New Roman" panose="02020603050405020304" pitchFamily="18" charset="0"/>
+              </a:rPr>
+              <a:t>myBopt.run_optimization</a:t>
+            </a:r>
+            <a:r>
+              <a:rPr kumimoji="1" lang="en-US" altLang="ja-JP" sz="2000" b="1" dirty="0">
+                <a:latin typeface="Times New Roman" panose="02020603050405020304" pitchFamily="18" charset="0"/>
+                <a:cs typeface="Times New Roman" panose="02020603050405020304" pitchFamily="18" charset="0"/>
+              </a:rPr>
+              <a:t>(</a:t>
+            </a:r>
+            <a:r>
+              <a:rPr kumimoji="1" lang="en-US" altLang="ja-JP" sz="2000" b="1" dirty="0" err="1">
+                <a:latin typeface="Times New Roman" panose="02020603050405020304" pitchFamily="18" charset="0"/>
+                <a:cs typeface="Times New Roman" panose="02020603050405020304" pitchFamily="18" charset="0"/>
+              </a:rPr>
+              <a:t>max_iter</a:t>
+            </a:r>
+            <a:r>
+              <a:rPr kumimoji="1" lang="en-US" altLang="ja-JP" sz="2000" b="1" dirty="0">
+                <a:latin typeface="Times New Roman" panose="02020603050405020304" pitchFamily="18" charset="0"/>
+                <a:cs typeface="Times New Roman" panose="02020603050405020304" pitchFamily="18" charset="0"/>
+              </a:rPr>
+              <a:t>=**)		</a:t>
+            </a:r>
+            <a:r>
+              <a:rPr kumimoji="1" lang="ja-JP" altLang="en-US" sz="2000" b="1" dirty="0">
+                <a:latin typeface="Times New Roman" panose="02020603050405020304" pitchFamily="18" charset="0"/>
+                <a:cs typeface="Times New Roman" panose="02020603050405020304" pitchFamily="18" charset="0"/>
+              </a:rPr>
+              <a:t>最適化の実行。</a:t>
+            </a:r>
+            <a:r>
+              <a:rPr kumimoji="1" lang="en-US" altLang="ja-JP" sz="2000" b="1" dirty="0">
+                <a:latin typeface="Times New Roman" panose="02020603050405020304" pitchFamily="18" charset="0"/>
+                <a:cs typeface="Times New Roman" panose="02020603050405020304" pitchFamily="18" charset="0"/>
+              </a:rPr>
+              <a:t>()</a:t>
+            </a:r>
+            <a:r>
+              <a:rPr kumimoji="1" lang="ja-JP" altLang="en-US" sz="2000" b="1" dirty="0">
+                <a:latin typeface="Times New Roman" panose="02020603050405020304" pitchFamily="18" charset="0"/>
+                <a:cs typeface="Times New Roman" panose="02020603050405020304" pitchFamily="18" charset="0"/>
+              </a:rPr>
+              <a:t>内はイタレーション数</a:t>
+            </a:r>
+            <a:endParaRPr kumimoji="1" lang="en-US" altLang="ja-JP" sz="2000" b="1" dirty="0">
+              <a:latin typeface="Times New Roman" panose="02020603050405020304" pitchFamily="18" charset="0"/>
+              <a:cs typeface="Times New Roman" panose="02020603050405020304" pitchFamily="18" charset="0"/>
+            </a:endParaRPr>
+          </a:p>
+          <a:p>
+            <a:r>
+              <a:rPr kumimoji="1" lang="en-US" altLang="ja-JP" sz="2000" dirty="0" err="1">
+                <a:latin typeface="Times New Roman" panose="02020603050405020304" pitchFamily="18" charset="0"/>
+                <a:cs typeface="Times New Roman" panose="02020603050405020304" pitchFamily="18" charset="0"/>
+              </a:rPr>
+              <a:t>myBopt.plot_acquisition</a:t>
+            </a:r>
+            <a:r>
+              <a:rPr kumimoji="1" lang="en-US" altLang="ja-JP" sz="2000" dirty="0">
+                <a:latin typeface="Times New Roman" panose="02020603050405020304" pitchFamily="18" charset="0"/>
+                <a:cs typeface="Times New Roman" panose="02020603050405020304" pitchFamily="18" charset="0"/>
+              </a:rPr>
+              <a:t>()				</a:t>
+            </a:r>
+            <a:r>
+              <a:rPr kumimoji="1" lang="ja-JP" altLang="en-US" sz="2000" dirty="0">
+                <a:latin typeface="Times New Roman" panose="02020603050405020304" pitchFamily="18" charset="0"/>
+                <a:cs typeface="Times New Roman" panose="02020603050405020304" pitchFamily="18" charset="0"/>
+              </a:rPr>
+              <a:t>評価関数や獲得関数の描写。</a:t>
+            </a:r>
+            <a:r>
+              <a:rPr kumimoji="1" lang="en-US" altLang="ja-JP" sz="2000" dirty="0">
+                <a:latin typeface="Times New Roman" panose="02020603050405020304" pitchFamily="18" charset="0"/>
+                <a:cs typeface="Times New Roman" panose="02020603050405020304" pitchFamily="18" charset="0"/>
+              </a:rPr>
+              <a:t>3</a:t>
+            </a:r>
+            <a:r>
+              <a:rPr kumimoji="1" lang="ja-JP" altLang="en-US" sz="2000" dirty="0">
+                <a:latin typeface="Times New Roman" panose="02020603050405020304" pitchFamily="18" charset="0"/>
+                <a:cs typeface="Times New Roman" panose="02020603050405020304" pitchFamily="18" charset="0"/>
+              </a:rPr>
+              <a:t>次元以上は不可</a:t>
+            </a:r>
+            <a:endParaRPr kumimoji="1" lang="en-US" altLang="ja-JP" sz="2000" dirty="0">
+              <a:latin typeface="Times New Roman" panose="02020603050405020304" pitchFamily="18" charset="0"/>
+              <a:cs typeface="Times New Roman" panose="02020603050405020304" pitchFamily="18" charset="0"/>
+            </a:endParaRPr>
+          </a:p>
+          <a:p>
+            <a:r>
+              <a:rPr kumimoji="1" lang="en-US" altLang="ja-JP" sz="2000" dirty="0" err="1">
+                <a:latin typeface="Times New Roman" panose="02020603050405020304" pitchFamily="18" charset="0"/>
+                <a:cs typeface="Times New Roman" panose="02020603050405020304" pitchFamily="18" charset="0"/>
+              </a:rPr>
+              <a:t>myBopt.plot_convergence</a:t>
+            </a:r>
+            <a:r>
+              <a:rPr kumimoji="1" lang="en-US" altLang="ja-JP" sz="2000" dirty="0">
+                <a:latin typeface="Times New Roman" panose="02020603050405020304" pitchFamily="18" charset="0"/>
+                <a:cs typeface="Times New Roman" panose="02020603050405020304" pitchFamily="18" charset="0"/>
+              </a:rPr>
+              <a:t>()			</a:t>
+            </a:r>
+            <a:r>
+              <a:rPr kumimoji="1" lang="ja-JP" altLang="en-US" sz="2000" dirty="0">
+                <a:latin typeface="Times New Roman" panose="02020603050405020304" pitchFamily="18" charset="0"/>
+                <a:cs typeface="Times New Roman" panose="02020603050405020304" pitchFamily="18" charset="0"/>
+              </a:rPr>
+              <a:t>最適化結果の推移の描写</a:t>
+            </a:r>
+            <a:endParaRPr kumimoji="1" lang="en-US" altLang="ja-JP" sz="2000" dirty="0">
+              <a:latin typeface="Times New Roman" panose="02020603050405020304" pitchFamily="18" charset="0"/>
+              <a:cs typeface="Times New Roman" panose="02020603050405020304" pitchFamily="18" charset="0"/>
+            </a:endParaRPr>
+          </a:p>
+        </p:txBody>
+      </p:sp>
+    </p:spTree>
+    <p:extLst>
+      <p:ext uri="{BB962C8B-B14F-4D97-AF65-F5344CB8AC3E}">
+        <p14:creationId xmlns:p14="http://schemas.microsoft.com/office/powerpoint/2010/main" val="2620271661"/>
+      </p:ext>
+    </p:extLst>
+  </p:cSld>
+  <p:clrMapOvr>
+    <a:masterClrMapping/>
+  </p:clrMapOvr>
+</p:sld>
+</file>
+
 <file path=ppt/slides/slide9.xml><?xml version="1.0" encoding="utf-8"?>
 <p:sld xmlns:a="http://schemas.openxmlformats.org/drawingml/2006/main" xmlns:r="http://schemas.openxmlformats.org/officeDocument/2006/relationships" xmlns:p="http://schemas.openxmlformats.org/presentationml/2006/main">
   <p:cSld>
@@ -9787,23 +9645,25 @@
           <a:lstStyle/>
           <a:p>
             <a:r>
-              <a:rPr kumimoji="1" lang="ja-JP" altLang="en-US" sz="3200" dirty="0"/>
-              <a:t>実行ファイルの中身</a:t>
-            </a:r>
-            <a:r>
-              <a:rPr kumimoji="1" lang="en-US" altLang="ja-JP" sz="3200" dirty="0"/>
-              <a:t>4</a:t>
-            </a:r>
-            <a:endParaRPr kumimoji="1" lang="ja-JP" altLang="en-US" sz="3200" dirty="0"/>
+              <a:rPr kumimoji="1" lang="en-US" altLang="ja-JP" sz="3200" dirty="0">
+                <a:latin typeface="Times New Roman" panose="02020603050405020304" pitchFamily="18" charset="0"/>
+                <a:cs typeface="Times New Roman" panose="02020603050405020304" pitchFamily="18" charset="0"/>
+              </a:rPr>
+              <a:t>Setup</a:t>
+            </a:r>
+            <a:endParaRPr kumimoji="1" lang="ja-JP" altLang="en-US" sz="3200" dirty="0">
+              <a:latin typeface="Times New Roman" panose="02020603050405020304" pitchFamily="18" charset="0"/>
+              <a:cs typeface="Times New Roman" panose="02020603050405020304" pitchFamily="18" charset="0"/>
+            </a:endParaRPr>
           </a:p>
         </p:txBody>
       </p:sp>
       <p:sp>
         <p:nvSpPr>
-          <p:cNvPr id="4" name="テキスト ボックス 3">
-            <a:extLst>
-              <a:ext uri="{FF2B5EF4-FFF2-40B4-BE49-F238E27FC236}">
-                <a16:creationId xmlns:a16="http://schemas.microsoft.com/office/drawing/2014/main" id="{19318186-06D8-E8DC-2482-F766F55805DC}"/>
+          <p:cNvPr id="3" name="テキスト ボックス 2">
+            <a:extLst>
+              <a:ext uri="{FF2B5EF4-FFF2-40B4-BE49-F238E27FC236}">
+                <a16:creationId xmlns:a16="http://schemas.microsoft.com/office/drawing/2014/main" id="{64C4905B-3B51-04C8-6A4F-A457D39BA2C5}"/>
               </a:ext>
             </a:extLst>
           </p:cNvPr>
@@ -9812,8 +9672,8 @@
         </p:nvSpPr>
         <p:spPr>
           <a:xfrm>
-            <a:off x="838200" y="991586"/>
-            <a:ext cx="10949412" cy="5724644"/>
+            <a:off x="838200" y="1500534"/>
+            <a:ext cx="10985625" cy="1631216"/>
           </a:xfrm>
           <a:prstGeom prst="rect">
             <a:avLst/>
@@ -9827,95 +9687,18 @@
           <a:lstStyle/>
           <a:p>
             <a:r>
-              <a:rPr lang="en-US" altLang="ja-JP" sz="2200" dirty="0">
-                <a:highlight>
-                  <a:srgbClr val="FFFF00"/>
-                </a:highlight>
-                <a:latin typeface="Times New Roman" panose="02020603050405020304" pitchFamily="18" charset="0"/>
-                <a:cs typeface="Times New Roman" panose="02020603050405020304" pitchFamily="18" charset="0"/>
-              </a:rPr>
-              <a:t># ==== Main ====</a:t>
-            </a:r>
-            <a:r>
-              <a:rPr kumimoji="1" lang="ja-JP" altLang="en-US" sz="2200" dirty="0">
-                <a:highlight>
-                  <a:srgbClr val="FFFF00"/>
-                </a:highlight>
-                <a:latin typeface="Times New Roman" panose="02020603050405020304" pitchFamily="18" charset="0"/>
-                <a:cs typeface="Times New Roman" panose="02020603050405020304" pitchFamily="18" charset="0"/>
-              </a:rPr>
-              <a:t> </a:t>
-            </a:r>
-            <a:r>
-              <a:rPr kumimoji="1" lang="ja-JP" altLang="en-US" sz="2200" dirty="0">
-                <a:latin typeface="Times New Roman" panose="02020603050405020304" pitchFamily="18" charset="0"/>
-                <a:cs typeface="Times New Roman" panose="02020603050405020304" pitchFamily="18" charset="0"/>
-              </a:rPr>
-              <a:t>　</a:t>
-            </a:r>
-            <a:r>
-              <a:rPr kumimoji="1" lang="en-US" altLang="ja-JP" sz="2200" dirty="0">
-                <a:latin typeface="Times New Roman" panose="02020603050405020304" pitchFamily="18" charset="0"/>
-                <a:cs typeface="Times New Roman" panose="02020603050405020304" pitchFamily="18" charset="0"/>
-              </a:rPr>
-              <a:t>		</a:t>
-            </a:r>
-            <a:r>
-              <a:rPr lang="en-US" altLang="ja-JP" sz="2000" dirty="0">
-                <a:latin typeface="Times New Roman" panose="02020603050405020304" pitchFamily="18" charset="0"/>
-                <a:cs typeface="Times New Roman" panose="02020603050405020304" pitchFamily="18" charset="0"/>
-              </a:rPr>
-              <a:t>	</a:t>
-            </a:r>
-          </a:p>
-          <a:p>
-            <a:endParaRPr kumimoji="1" lang="en-US" altLang="ja-JP" sz="1200" dirty="0">
-              <a:latin typeface="Times New Roman" panose="02020603050405020304" pitchFamily="18" charset="0"/>
-              <a:cs typeface="Times New Roman" panose="02020603050405020304" pitchFamily="18" charset="0"/>
-            </a:endParaRPr>
-          </a:p>
-          <a:p>
-            <a:r>
               <a:rPr kumimoji="1" lang="en-US" altLang="ja-JP" sz="2000" dirty="0">
                 <a:latin typeface="Times New Roman" panose="02020603050405020304" pitchFamily="18" charset="0"/>
                 <a:cs typeface="Times New Roman" panose="02020603050405020304" pitchFamily="18" charset="0"/>
               </a:rPr>
-              <a:t>bounds = ~		</a:t>
+              <a:t>Setup.txt	</a:t>
             </a:r>
             <a:r>
               <a:rPr kumimoji="1" lang="ja-JP" altLang="en-US" sz="2000" dirty="0">
                 <a:latin typeface="Times New Roman" panose="02020603050405020304" pitchFamily="18" charset="0"/>
                 <a:cs typeface="Times New Roman" panose="02020603050405020304" pitchFamily="18" charset="0"/>
               </a:rPr>
-              <a:t>各変数</a:t>
-            </a:r>
-            <a:r>
-              <a:rPr kumimoji="1" lang="en-US" altLang="ja-JP" sz="2000" dirty="0">
-                <a:latin typeface="Times New Roman" panose="02020603050405020304" pitchFamily="18" charset="0"/>
-                <a:cs typeface="Times New Roman" panose="02020603050405020304" pitchFamily="18" charset="0"/>
-              </a:rPr>
-              <a:t>(</a:t>
-            </a:r>
-            <a:r>
-              <a:rPr kumimoji="1" lang="ja-JP" altLang="en-US" sz="2000" dirty="0">
-                <a:latin typeface="Times New Roman" panose="02020603050405020304" pitchFamily="18" charset="0"/>
-                <a:cs typeface="Times New Roman" panose="02020603050405020304" pitchFamily="18" charset="0"/>
-              </a:rPr>
-              <a:t>今回は電磁石</a:t>
-            </a:r>
-            <a:r>
-              <a:rPr kumimoji="1" lang="en-US" altLang="ja-JP" sz="2000" dirty="0">
-                <a:latin typeface="Times New Roman" panose="02020603050405020304" pitchFamily="18" charset="0"/>
-                <a:cs typeface="Times New Roman" panose="02020603050405020304" pitchFamily="18" charset="0"/>
-              </a:rPr>
-              <a:t>)</a:t>
-            </a:r>
-            <a:r>
-              <a:rPr kumimoji="1" lang="ja-JP" altLang="en-US" sz="2000" dirty="0">
-                <a:latin typeface="Times New Roman" panose="02020603050405020304" pitchFamily="18" charset="0"/>
-                <a:cs typeface="Times New Roman" panose="02020603050405020304" pitchFamily="18" charset="0"/>
-              </a:rPr>
-              <a:t>の設定範囲</a:t>
+              <a:t>中のコマンド</a:t>
             </a:r>
             <a:endParaRPr kumimoji="1" lang="en-US" altLang="ja-JP" sz="2000" dirty="0">
               <a:latin typeface="Times New Roman" panose="02020603050405020304" pitchFamily="18" charset="0"/>
@@ -9923,34 +9706,6 @@
             </a:endParaRPr>
           </a:p>
           <a:p>
-            <a:r>
-              <a:rPr kumimoji="1" lang="en-US" altLang="ja-JP" sz="2000" dirty="0">
-                <a:latin typeface="Times New Roman" panose="02020603050405020304" pitchFamily="18" charset="0"/>
-                <a:cs typeface="Times New Roman" panose="02020603050405020304" pitchFamily="18" charset="0"/>
-              </a:rPr>
-              <a:t>			continuous: </a:t>
-            </a:r>
-            <a:r>
-              <a:rPr kumimoji="1" lang="ja-JP" altLang="en-US" sz="2000" dirty="0">
-                <a:latin typeface="Times New Roman" panose="02020603050405020304" pitchFamily="18" charset="0"/>
-                <a:cs typeface="Times New Roman" panose="02020603050405020304" pitchFamily="18" charset="0"/>
-              </a:rPr>
-              <a:t>連続的な変数。設定可能範囲を</a:t>
-            </a:r>
-            <a:r>
-              <a:rPr kumimoji="1" lang="en-US" altLang="ja-JP" sz="2000" dirty="0">
-                <a:latin typeface="Times New Roman" panose="02020603050405020304" pitchFamily="18" charset="0"/>
-                <a:cs typeface="Times New Roman" panose="02020603050405020304" pitchFamily="18" charset="0"/>
-              </a:rPr>
-              <a:t>domain</a:t>
-            </a:r>
-            <a:r>
-              <a:rPr kumimoji="1" lang="ja-JP" altLang="en-US" sz="2000" dirty="0">
-                <a:latin typeface="Times New Roman" panose="02020603050405020304" pitchFamily="18" charset="0"/>
-                <a:cs typeface="Times New Roman" panose="02020603050405020304" pitchFamily="18" charset="0"/>
-              </a:rPr>
-              <a:t>に入力。</a:t>
-            </a:r>
             <a:endParaRPr kumimoji="1" lang="en-US" altLang="ja-JP" sz="2000" dirty="0">
               <a:latin typeface="Times New Roman" panose="02020603050405020304" pitchFamily="18" charset="0"/>
               <a:cs typeface="Times New Roman" panose="02020603050405020304" pitchFamily="18" charset="0"/>
@@ -9958,143 +9713,294 @@
           </a:p>
           <a:p>
             <a:r>
-              <a:rPr lang="en-US" altLang="ja-JP" sz="2000" dirty="0">
-                <a:latin typeface="Times New Roman" panose="02020603050405020304" pitchFamily="18" charset="0"/>
-                <a:cs typeface="Times New Roman" panose="02020603050405020304" pitchFamily="18" charset="0"/>
-              </a:rPr>
-              <a:t>			discrete: </a:t>
-            </a:r>
-            <a:r>
-              <a:rPr lang="ja-JP" altLang="en-US" sz="2000" dirty="0">
-                <a:latin typeface="Times New Roman" panose="02020603050405020304" pitchFamily="18" charset="0"/>
-                <a:cs typeface="Times New Roman" panose="02020603050405020304" pitchFamily="18" charset="0"/>
-              </a:rPr>
-              <a:t>離散的な変数。設定可能な値を配列として</a:t>
-            </a:r>
-            <a:r>
-              <a:rPr lang="en-US" altLang="ja-JP" sz="2000" dirty="0">
-                <a:latin typeface="Times New Roman" panose="02020603050405020304" pitchFamily="18" charset="0"/>
-                <a:cs typeface="Times New Roman" panose="02020603050405020304" pitchFamily="18" charset="0"/>
-              </a:rPr>
-              <a:t>domain</a:t>
-            </a:r>
-            <a:r>
-              <a:rPr lang="ja-JP" altLang="en-US" sz="2000" dirty="0">
-                <a:latin typeface="Times New Roman" panose="02020603050405020304" pitchFamily="18" charset="0"/>
-                <a:cs typeface="Times New Roman" panose="02020603050405020304" pitchFamily="18" charset="0"/>
-              </a:rPr>
-              <a:t>に入力。</a:t>
-            </a:r>
+              <a:rPr kumimoji="1" lang="en-US" altLang="ja-JP" sz="2000" dirty="0">
+                <a:latin typeface="Times New Roman" panose="02020603050405020304" pitchFamily="18" charset="0"/>
+                <a:cs typeface="Times New Roman" panose="02020603050405020304" pitchFamily="18" charset="0"/>
+              </a:rPr>
+              <a:t>pip install </a:t>
+            </a:r>
+            <a:r>
+              <a:rPr kumimoji="1" lang="en-US" altLang="ja-JP" sz="2000" dirty="0" err="1">
+                <a:latin typeface="Times New Roman" panose="02020603050405020304" pitchFamily="18" charset="0"/>
+                <a:cs typeface="Times New Roman" panose="02020603050405020304" pitchFamily="18" charset="0"/>
+              </a:rPr>
+              <a:t>GPy</a:t>
+            </a:r>
+            <a:r>
+              <a:rPr kumimoji="1" lang="en-US" altLang="ja-JP" sz="2000" dirty="0">
+                <a:latin typeface="Times New Roman" panose="02020603050405020304" pitchFamily="18" charset="0"/>
+                <a:cs typeface="Times New Roman" panose="02020603050405020304" pitchFamily="18" charset="0"/>
+              </a:rPr>
+              <a:t> </a:t>
+            </a:r>
+            <a:r>
+              <a:rPr kumimoji="1" lang="en-US" altLang="ja-JP" sz="2000" dirty="0" err="1">
+                <a:latin typeface="Times New Roman" panose="02020603050405020304" pitchFamily="18" charset="0"/>
+                <a:cs typeface="Times New Roman" panose="02020603050405020304" pitchFamily="18" charset="0"/>
+              </a:rPr>
+              <a:t>GPyOpt</a:t>
+            </a:r>
+            <a:r>
+              <a:rPr kumimoji="1" lang="en-US" altLang="ja-JP" sz="2000" dirty="0">
+                <a:latin typeface="Times New Roman" panose="02020603050405020304" pitchFamily="18" charset="0"/>
+                <a:cs typeface="Times New Roman" panose="02020603050405020304" pitchFamily="18" charset="0"/>
+              </a:rPr>
+              <a:t> </a:t>
+            </a:r>
+            <a:r>
+              <a:rPr kumimoji="1" lang="en-US" altLang="ja-JP" sz="2000" dirty="0" err="1">
+                <a:latin typeface="Times New Roman" panose="02020603050405020304" pitchFamily="18" charset="0"/>
+                <a:cs typeface="Times New Roman" panose="02020603050405020304" pitchFamily="18" charset="0"/>
+              </a:rPr>
+              <a:t>git+https</a:t>
+            </a:r>
+            <a:r>
+              <a:rPr kumimoji="1" lang="en-US" altLang="ja-JP" sz="2000" dirty="0">
+                <a:latin typeface="Times New Roman" panose="02020603050405020304" pitchFamily="18" charset="0"/>
+                <a:cs typeface="Times New Roman" panose="02020603050405020304" pitchFamily="18" charset="0"/>
+              </a:rPr>
+              <a:t>://github.com/ocelot-collab/</a:t>
+            </a:r>
+            <a:r>
+              <a:rPr kumimoji="1" lang="en-US" altLang="ja-JP" sz="2000" dirty="0" err="1">
+                <a:latin typeface="Times New Roman" panose="02020603050405020304" pitchFamily="18" charset="0"/>
+                <a:cs typeface="Times New Roman" panose="02020603050405020304" pitchFamily="18" charset="0"/>
+              </a:rPr>
+              <a:t>ocelot.git</a:t>
+            </a:r>
+            <a:r>
+              <a:rPr kumimoji="1" lang="en-US" altLang="ja-JP" sz="2000" dirty="0">
+                <a:latin typeface="Times New Roman" panose="02020603050405020304" pitchFamily="18" charset="0"/>
+                <a:cs typeface="Times New Roman" panose="02020603050405020304" pitchFamily="18" charset="0"/>
+              </a:rPr>
+              <a:t> </a:t>
+            </a:r>
+            <a:r>
+              <a:rPr kumimoji="1" lang="en-US" altLang="ja-JP" sz="2000" dirty="0" err="1">
+                <a:latin typeface="Times New Roman" panose="02020603050405020304" pitchFamily="18" charset="0"/>
+                <a:cs typeface="Times New Roman" panose="02020603050405020304" pitchFamily="18" charset="0"/>
+              </a:rPr>
+              <a:t>pyfftw</a:t>
+            </a:r>
+            <a:r>
+              <a:rPr kumimoji="1" lang="en-US" altLang="ja-JP" sz="2000" dirty="0">
+                <a:latin typeface="Times New Roman" panose="02020603050405020304" pitchFamily="18" charset="0"/>
+                <a:cs typeface="Times New Roman" panose="02020603050405020304" pitchFamily="18" charset="0"/>
+              </a:rPr>
+              <a:t> </a:t>
+            </a:r>
+            <a:r>
+              <a:rPr kumimoji="1" lang="en-US" altLang="ja-JP" sz="2000" dirty="0" err="1">
+                <a:latin typeface="Times New Roman" panose="02020603050405020304" pitchFamily="18" charset="0"/>
+                <a:cs typeface="Times New Roman" panose="02020603050405020304" pitchFamily="18" charset="0"/>
+              </a:rPr>
+              <a:t>numexpr</a:t>
+            </a:r>
+            <a:r>
+              <a:rPr kumimoji="1" lang="en-US" altLang="ja-JP" sz="2000" dirty="0">
+                <a:latin typeface="Times New Roman" panose="02020603050405020304" pitchFamily="18" charset="0"/>
+                <a:cs typeface="Times New Roman" panose="02020603050405020304" pitchFamily="18" charset="0"/>
+              </a:rPr>
+              <a:t> </a:t>
+            </a:r>
+            <a:r>
+              <a:rPr kumimoji="1" lang="en-US" altLang="ja-JP" sz="2000" dirty="0" err="1">
+                <a:latin typeface="Times New Roman" panose="02020603050405020304" pitchFamily="18" charset="0"/>
+                <a:cs typeface="Times New Roman" panose="02020603050405020304" pitchFamily="18" charset="0"/>
+              </a:rPr>
+              <a:t>numba</a:t>
+            </a:r>
+            <a:endParaRPr kumimoji="1" lang="en-US" altLang="ja-JP" sz="2000" dirty="0">
+              <a:latin typeface="Times New Roman" panose="02020603050405020304" pitchFamily="18" charset="0"/>
+              <a:cs typeface="Times New Roman" panose="02020603050405020304" pitchFamily="18" charset="0"/>
+            </a:endParaRPr>
+          </a:p>
+          <a:p>
             <a:endParaRPr lang="en-US" altLang="ja-JP" sz="2000" dirty="0">
               <a:latin typeface="Times New Roman" panose="02020603050405020304" pitchFamily="18" charset="0"/>
               <a:cs typeface="Times New Roman" panose="02020603050405020304" pitchFamily="18" charset="0"/>
             </a:endParaRPr>
           </a:p>
           <a:p>
-            <a:endParaRPr kumimoji="1" lang="en-US" altLang="ja-JP" sz="800" dirty="0">
-              <a:latin typeface="Times New Roman" panose="02020603050405020304" pitchFamily="18" charset="0"/>
-              <a:cs typeface="Times New Roman" panose="02020603050405020304" pitchFamily="18" charset="0"/>
-            </a:endParaRPr>
-          </a:p>
-          <a:p>
-            <a:r>
-              <a:rPr kumimoji="1" lang="en-US" altLang="ja-JP" sz="2000" dirty="0" err="1">
-                <a:latin typeface="Times New Roman" panose="02020603050405020304" pitchFamily="18" charset="0"/>
-                <a:cs typeface="Times New Roman" panose="02020603050405020304" pitchFamily="18" charset="0"/>
-              </a:rPr>
-              <a:t>myBopt</a:t>
+            <a:r>
+              <a:rPr kumimoji="1" lang="ja-JP" altLang="en-US" sz="2000" dirty="0">
+                <a:latin typeface="Times New Roman" panose="02020603050405020304" pitchFamily="18" charset="0"/>
+                <a:cs typeface="Times New Roman" panose="02020603050405020304" pitchFamily="18" charset="0"/>
+              </a:rPr>
+              <a:t>を</a:t>
             </a:r>
             <a:r>
               <a:rPr lang="en-US" altLang="ja-JP" sz="2000" dirty="0">
                 <a:latin typeface="Times New Roman" panose="02020603050405020304" pitchFamily="18" charset="0"/>
                 <a:cs typeface="Times New Roman" panose="02020603050405020304" pitchFamily="18" charset="0"/>
               </a:rPr>
-              <a:t>	= ~		</a:t>
-            </a:r>
-            <a:r>
-              <a:rPr kumimoji="1" lang="ja-JP" altLang="en-US" sz="2000" dirty="0">
-                <a:latin typeface="Times New Roman" panose="02020603050405020304" pitchFamily="18" charset="0"/>
-                <a:cs typeface="Times New Roman" panose="02020603050405020304" pitchFamily="18" charset="0"/>
-              </a:rPr>
-              <a:t>ベイズ最適化</a:t>
+              <a:t>Google </a:t>
+            </a:r>
+            <a:r>
+              <a:rPr lang="en-US" altLang="ja-JP" sz="2000" dirty="0" err="1">
+                <a:latin typeface="Times New Roman" panose="02020603050405020304" pitchFamily="18" charset="0"/>
+                <a:cs typeface="Times New Roman" panose="02020603050405020304" pitchFamily="18" charset="0"/>
+              </a:rPr>
+              <a:t>Colaboratory</a:t>
             </a:r>
             <a:r>
               <a:rPr lang="ja-JP" altLang="en-US" sz="2000" dirty="0">
                 <a:latin typeface="Times New Roman" panose="02020603050405020304" pitchFamily="18" charset="0"/>
                 <a:cs typeface="Times New Roman" panose="02020603050405020304" pitchFamily="18" charset="0"/>
               </a:rPr>
-              <a:t>のモデル</a:t>
+              <a:t>で実行</a:t>
             </a:r>
             <a:endParaRPr kumimoji="1" lang="en-US" altLang="ja-JP" sz="2000" dirty="0">
               <a:latin typeface="Times New Roman" panose="02020603050405020304" pitchFamily="18" charset="0"/>
               <a:cs typeface="Times New Roman" panose="02020603050405020304" pitchFamily="18" charset="0"/>
             </a:endParaRPr>
           </a:p>
-          <a:p>
-            <a:endParaRPr lang="en-US" altLang="ja-JP" sz="1200" dirty="0">
-              <a:latin typeface="Times New Roman" panose="02020603050405020304" pitchFamily="18" charset="0"/>
-              <a:cs typeface="Times New Roman" panose="02020603050405020304" pitchFamily="18" charset="0"/>
-            </a:endParaRPr>
-          </a:p>
-          <a:p>
-            <a:pPr marL="800100" lvl="1" indent="-342900">
-              <a:buFont typeface="Arial" panose="020B0604020202020204" pitchFamily="34" charset="0"/>
-              <a:buChar char="•"/>
-            </a:pPr>
-            <a:r>
-              <a:rPr lang="en-US" altLang="ja-JP" sz="2000" b="1" dirty="0">
-                <a:latin typeface="Times New Roman" panose="02020603050405020304" pitchFamily="18" charset="0"/>
-                <a:cs typeface="Times New Roman" panose="02020603050405020304" pitchFamily="18" charset="0"/>
-              </a:rPr>
-              <a:t>f						</a:t>
-            </a:r>
-            <a:r>
-              <a:rPr lang="ja-JP" altLang="en-US" sz="2000" b="1" dirty="0">
-                <a:latin typeface="Times New Roman" panose="02020603050405020304" pitchFamily="18" charset="0"/>
-                <a:cs typeface="Times New Roman" panose="02020603050405020304" pitchFamily="18" charset="0"/>
-              </a:rPr>
-              <a:t>評価関数 </a:t>
-            </a:r>
-            <a:r>
-              <a:rPr lang="en-US" altLang="ja-JP" sz="2000" b="1" dirty="0">
-                <a:latin typeface="Times New Roman" panose="02020603050405020304" pitchFamily="18" charset="0"/>
-                <a:cs typeface="Times New Roman" panose="02020603050405020304" pitchFamily="18" charset="0"/>
-              </a:rPr>
-              <a:t>(</a:t>
-            </a:r>
-            <a:r>
-              <a:rPr lang="en-US" altLang="ja-JP" sz="2000" b="1" dirty="0" err="1">
-                <a:latin typeface="Times New Roman" panose="02020603050405020304" pitchFamily="18" charset="0"/>
-                <a:cs typeface="Times New Roman" panose="02020603050405020304" pitchFamily="18" charset="0"/>
-              </a:rPr>
-              <a:t>eval_func</a:t>
-            </a:r>
-            <a:r>
-              <a:rPr lang="en-US" altLang="ja-JP" sz="2000" b="1" dirty="0">
-                <a:latin typeface="Times New Roman" panose="02020603050405020304" pitchFamily="18" charset="0"/>
-                <a:cs typeface="Times New Roman" panose="02020603050405020304" pitchFamily="18" charset="0"/>
-              </a:rPr>
-              <a:t>)</a:t>
-            </a:r>
-          </a:p>
-          <a:p>
-            <a:pPr marL="800100" lvl="1" indent="-342900">
-              <a:buFont typeface="Arial" panose="020B0604020202020204" pitchFamily="34" charset="0"/>
-              <a:buChar char="•"/>
-            </a:pPr>
+        </p:txBody>
+      </p:sp>
+      <p:pic>
+        <p:nvPicPr>
+          <p:cNvPr id="7" name="図 6">
+            <a:extLst>
+              <a:ext uri="{FF2B5EF4-FFF2-40B4-BE49-F238E27FC236}">
+                <a16:creationId xmlns:a16="http://schemas.microsoft.com/office/drawing/2014/main" id="{07C5DD31-79EA-512B-D70B-654B676C0D6B}"/>
+              </a:ext>
+            </a:extLst>
+          </p:cNvPr>
+          <p:cNvPicPr>
+            <a:picLocks noChangeAspect="1"/>
+          </p:cNvPicPr>
+          <p:nvPr/>
+        </p:nvPicPr>
+        <p:blipFill>
+          <a:blip r:embed="rId2"/>
+          <a:stretch>
+            <a:fillRect/>
+          </a:stretch>
+        </p:blipFill>
+        <p:spPr>
+          <a:xfrm>
+            <a:off x="4290255" y="2615033"/>
+            <a:ext cx="7063545" cy="700822"/>
+          </a:xfrm>
+          <a:prstGeom prst="rect">
+            <a:avLst/>
+          </a:prstGeom>
+        </p:spPr>
+      </p:pic>
+      <p:sp>
+        <p:nvSpPr>
+          <p:cNvPr id="9" name="楕円 8">
+            <a:extLst>
+              <a:ext uri="{FF2B5EF4-FFF2-40B4-BE49-F238E27FC236}">
+                <a16:creationId xmlns:a16="http://schemas.microsoft.com/office/drawing/2014/main" id="{F38803B0-8F8B-B9D1-3F4E-B934607D35AD}"/>
+              </a:ext>
+            </a:extLst>
+          </p:cNvPr>
+          <p:cNvSpPr/>
+          <p:nvPr/>
+        </p:nvSpPr>
+        <p:spPr>
+          <a:xfrm>
+            <a:off x="4398898" y="2755958"/>
+            <a:ext cx="363226" cy="361390"/>
+          </a:xfrm>
+          <a:prstGeom prst="ellipse">
+            <a:avLst/>
+          </a:prstGeom>
+          <a:noFill/>
+          <a:ln w="38100">
+            <a:solidFill>
+              <a:srgbClr val="FF0000"/>
+            </a:solidFill>
+          </a:ln>
+        </p:spPr>
+        <p:style>
+          <a:lnRef idx="2">
+            <a:schemeClr val="accent1">
+              <a:shade val="15000"/>
+            </a:schemeClr>
+          </a:lnRef>
+          <a:fillRef idx="1">
+            <a:schemeClr val="accent1"/>
+          </a:fillRef>
+          <a:effectRef idx="0">
+            <a:schemeClr val="accent1"/>
+          </a:effectRef>
+          <a:fontRef idx="minor">
+            <a:schemeClr val="lt1"/>
+          </a:fontRef>
+        </p:style>
+        <p:txBody>
+          <a:bodyPr rtlCol="0" anchor="ctr"/>
+          <a:lstStyle/>
+          <a:p>
+            <a:pPr algn="ctr"/>
+            <a:endParaRPr kumimoji="1" lang="ja-JP" altLang="en-US"/>
+          </a:p>
+        </p:txBody>
+      </p:sp>
+      <p:sp>
+        <p:nvSpPr>
+          <p:cNvPr id="10" name="テキスト ボックス 9">
+            <a:extLst>
+              <a:ext uri="{FF2B5EF4-FFF2-40B4-BE49-F238E27FC236}">
+                <a16:creationId xmlns:a16="http://schemas.microsoft.com/office/drawing/2014/main" id="{041A00E3-5FFC-9F9D-B714-935A74201B74}"/>
+              </a:ext>
+            </a:extLst>
+          </p:cNvPr>
+          <p:cNvSpPr txBox="1"/>
+          <p:nvPr/>
+        </p:nvSpPr>
+        <p:spPr>
+          <a:xfrm>
+            <a:off x="2969537" y="4133584"/>
+            <a:ext cx="5377758" cy="2554545"/>
+          </a:xfrm>
+          <a:prstGeom prst="rect">
+            <a:avLst/>
+          </a:prstGeom>
+          <a:noFill/>
+        </p:spPr>
+        <p:txBody>
+          <a:bodyPr wrap="square" rtlCol="0">
+            <a:spAutoFit/>
+          </a:bodyPr>
+          <a:lstStyle/>
+          <a:p>
+            <a:r>
+              <a:rPr kumimoji="1" lang="en-US" altLang="ja-JP" sz="2000" dirty="0" err="1">
+                <a:latin typeface="Times New Roman" panose="02020603050405020304" pitchFamily="18" charset="0"/>
+                <a:cs typeface="Times New Roman" panose="02020603050405020304" pitchFamily="18" charset="0"/>
+              </a:rPr>
+              <a:t>GPy</a:t>
+            </a:r>
             <a:r>
               <a:rPr kumimoji="1" lang="en-US" altLang="ja-JP" sz="2000" dirty="0">
                 <a:latin typeface="Times New Roman" panose="02020603050405020304" pitchFamily="18" charset="0"/>
                 <a:cs typeface="Times New Roman" panose="02020603050405020304" pitchFamily="18" charset="0"/>
               </a:rPr>
-              <a:t>bounds					</a:t>
+              <a:t>, </a:t>
+            </a:r>
+            <a:r>
+              <a:rPr kumimoji="1" lang="en-US" altLang="ja-JP" sz="2000" dirty="0" err="1">
+                <a:latin typeface="Times New Roman" panose="02020603050405020304" pitchFamily="18" charset="0"/>
+                <a:cs typeface="Times New Roman" panose="02020603050405020304" pitchFamily="18" charset="0"/>
+              </a:rPr>
+              <a:t>GPyOpt</a:t>
+            </a:r>
+            <a:r>
+              <a:rPr kumimoji="1" lang="en-US" altLang="ja-JP" sz="2000" dirty="0">
+                <a:latin typeface="Times New Roman" panose="02020603050405020304" pitchFamily="18" charset="0"/>
+                <a:cs typeface="Times New Roman" panose="02020603050405020304" pitchFamily="18" charset="0"/>
+              </a:rPr>
+              <a:t>	</a:t>
             </a:r>
             <a:r>
               <a:rPr kumimoji="1" lang="ja-JP" altLang="en-US" sz="2000" dirty="0">
                 <a:latin typeface="Times New Roman" panose="02020603050405020304" pitchFamily="18" charset="0"/>
                 <a:cs typeface="Times New Roman" panose="02020603050405020304" pitchFamily="18" charset="0"/>
               </a:rPr>
-              <a:t>変数の設定範囲</a:t>
+              <a:t>ベイズ最適化計算用</a:t>
             </a:r>
             <a:endParaRPr kumimoji="1" lang="en-US" altLang="ja-JP" sz="2000" dirty="0">
               <a:latin typeface="Times New Roman" panose="02020603050405020304" pitchFamily="18" charset="0"/>
@@ -10102,95 +10008,123 @@
             </a:endParaRPr>
           </a:p>
           <a:p>
-            <a:pPr marL="800100" lvl="1" indent="-342900">
-              <a:buFont typeface="Arial" panose="020B0604020202020204" pitchFamily="34" charset="0"/>
-              <a:buChar char="•"/>
-            </a:pPr>
-            <a:r>
-              <a:rPr kumimoji="1" lang="en-US" altLang="ja-JP" sz="2000" b="1" dirty="0" err="1">
-                <a:latin typeface="Times New Roman" panose="02020603050405020304" pitchFamily="18" charset="0"/>
-                <a:cs typeface="Times New Roman" panose="02020603050405020304" pitchFamily="18" charset="0"/>
-              </a:rPr>
-              <a:t>initial_design_number</a:t>
-            </a:r>
-            <a:r>
-              <a:rPr kumimoji="1" lang="en-US" altLang="ja-JP" sz="2000" b="1" dirty="0">
-                <a:latin typeface="Times New Roman" panose="02020603050405020304" pitchFamily="18" charset="0"/>
-                <a:cs typeface="Times New Roman" panose="02020603050405020304" pitchFamily="18" charset="0"/>
-              </a:rPr>
-              <a:t>			</a:t>
-            </a:r>
-            <a:r>
-              <a:rPr kumimoji="1" lang="ja-JP" altLang="en-US" sz="2000" b="1" dirty="0">
-                <a:latin typeface="Times New Roman" panose="02020603050405020304" pitchFamily="18" charset="0"/>
-                <a:cs typeface="Times New Roman" panose="02020603050405020304" pitchFamily="18" charset="0"/>
-              </a:rPr>
-              <a:t>初期条件用のデータサンプリング数</a:t>
-            </a:r>
-            <a:endParaRPr kumimoji="1" lang="en-US" altLang="ja-JP" sz="2000" b="1" dirty="0">
+            <a:r>
+              <a:rPr lang="en-US" altLang="ja-JP" sz="2000" dirty="0">
+                <a:latin typeface="Times New Roman" panose="02020603050405020304" pitchFamily="18" charset="0"/>
+                <a:cs typeface="Times New Roman" panose="02020603050405020304" pitchFamily="18" charset="0"/>
+              </a:rPr>
+              <a:t>Ocelot		</a:t>
+            </a:r>
+            <a:r>
+              <a:rPr lang="ja-JP" altLang="en-US" sz="2000" dirty="0">
+                <a:latin typeface="Times New Roman" panose="02020603050405020304" pitchFamily="18" charset="0"/>
+                <a:cs typeface="Times New Roman" panose="02020603050405020304" pitchFamily="18" charset="0"/>
+              </a:rPr>
+              <a:t>ビーム軌道計算用</a:t>
+            </a:r>
+            <a:endParaRPr lang="en-US" altLang="ja-JP" sz="2000" dirty="0">
               <a:latin typeface="Times New Roman" panose="02020603050405020304" pitchFamily="18" charset="0"/>
               <a:cs typeface="Times New Roman" panose="02020603050405020304" pitchFamily="18" charset="0"/>
             </a:endParaRPr>
           </a:p>
           <a:p>
-            <a:pPr marL="800100" lvl="1" indent="-342900">
-              <a:buFont typeface="Arial" panose="020B0604020202020204" pitchFamily="34" charset="0"/>
-              <a:buChar char="•"/>
-            </a:pPr>
-            <a:r>
-              <a:rPr lang="en-US" altLang="ja-JP" sz="2000" dirty="0" err="1">
-                <a:latin typeface="Times New Roman" panose="02020603050405020304" pitchFamily="18" charset="0"/>
-                <a:cs typeface="Times New Roman" panose="02020603050405020304" pitchFamily="18" charset="0"/>
-              </a:rPr>
-              <a:t>acquisition_type</a:t>
+            <a:r>
+              <a:rPr lang="ja-JP" altLang="en-US" sz="2000" dirty="0">
+                <a:latin typeface="Times New Roman" panose="02020603050405020304" pitchFamily="18" charset="0"/>
+                <a:cs typeface="Times New Roman" panose="02020603050405020304" pitchFamily="18" charset="0"/>
+              </a:rPr>
+              <a:t>その他</a:t>
             </a:r>
             <a:r>
               <a:rPr lang="en-US" altLang="ja-JP" sz="2000" dirty="0">
                 <a:latin typeface="Times New Roman" panose="02020603050405020304" pitchFamily="18" charset="0"/>
                 <a:cs typeface="Times New Roman" panose="02020603050405020304" pitchFamily="18" charset="0"/>
               </a:rPr>
-              <a:t>				</a:t>
+              <a:t>		Ocelot</a:t>
             </a:r>
             <a:r>
               <a:rPr lang="ja-JP" altLang="en-US" sz="2000" dirty="0">
                 <a:latin typeface="Times New Roman" panose="02020603050405020304" pitchFamily="18" charset="0"/>
                 <a:cs typeface="Times New Roman" panose="02020603050405020304" pitchFamily="18" charset="0"/>
               </a:rPr>
-              <a:t>獲得関数 </a:t>
+              <a:t>計算に必要なあれこれ</a:t>
+            </a:r>
+            <a:endParaRPr lang="en-US" altLang="ja-JP" sz="2000" dirty="0">
+              <a:latin typeface="Times New Roman" panose="02020603050405020304" pitchFamily="18" charset="0"/>
+              <a:cs typeface="Times New Roman" panose="02020603050405020304" pitchFamily="18" charset="0"/>
+            </a:endParaRPr>
+          </a:p>
+          <a:p>
+            <a:pPr algn="ctr"/>
+            <a:endParaRPr lang="en-US" altLang="ja-JP" sz="2000" dirty="0">
+              <a:latin typeface="Times New Roman" panose="02020603050405020304" pitchFamily="18" charset="0"/>
+              <a:cs typeface="Times New Roman" panose="02020603050405020304" pitchFamily="18" charset="0"/>
+            </a:endParaRPr>
+          </a:p>
+          <a:p>
+            <a:pPr algn="ctr"/>
+            <a:r>
+              <a:rPr lang="ja-JP" altLang="en-US" sz="2000" dirty="0">
+                <a:latin typeface="Times New Roman" panose="02020603050405020304" pitchFamily="18" charset="0"/>
+                <a:cs typeface="Times New Roman" panose="02020603050405020304" pitchFamily="18" charset="0"/>
+              </a:rPr>
+              <a:t>が</a:t>
             </a:r>
             <a:r>
               <a:rPr lang="en-US" altLang="ja-JP" sz="2000" dirty="0">
                 <a:latin typeface="Times New Roman" panose="02020603050405020304" pitchFamily="18" charset="0"/>
                 <a:cs typeface="Times New Roman" panose="02020603050405020304" pitchFamily="18" charset="0"/>
               </a:rPr>
-              <a:t>(LCB,PI,EI)</a:t>
-            </a:r>
-          </a:p>
-          <a:p>
-            <a:pPr marL="800100" lvl="1" indent="-342900">
-              <a:buFont typeface="Arial" panose="020B0604020202020204" pitchFamily="34" charset="0"/>
-              <a:buChar char="•"/>
-            </a:pPr>
+              <a:t>Install</a:t>
+            </a:r>
+            <a:r>
+              <a:rPr lang="ja-JP" altLang="en-US" sz="2000" dirty="0">
+                <a:latin typeface="Times New Roman" panose="02020603050405020304" pitchFamily="18" charset="0"/>
+                <a:cs typeface="Times New Roman" panose="02020603050405020304" pitchFamily="18" charset="0"/>
+              </a:rPr>
+              <a:t>される</a:t>
+            </a:r>
+            <a:endParaRPr lang="en-US" altLang="ja-JP" sz="2000" dirty="0">
+              <a:latin typeface="Times New Roman" panose="02020603050405020304" pitchFamily="18" charset="0"/>
+              <a:cs typeface="Times New Roman" panose="02020603050405020304" pitchFamily="18" charset="0"/>
+            </a:endParaRPr>
+          </a:p>
+          <a:p>
+            <a:pPr algn="ctr"/>
+            <a:endParaRPr lang="en-US" altLang="ja-JP" sz="2000" dirty="0">
+              <a:latin typeface="Times New Roman" panose="02020603050405020304" pitchFamily="18" charset="0"/>
+              <a:cs typeface="Times New Roman" panose="02020603050405020304" pitchFamily="18" charset="0"/>
+            </a:endParaRPr>
+          </a:p>
+          <a:p>
+            <a:pPr algn="ctr"/>
+            <a:r>
+              <a:rPr lang="ja-JP" altLang="en-US" sz="2000" dirty="0">
+                <a:latin typeface="Times New Roman" panose="02020603050405020304" pitchFamily="18" charset="0"/>
+                <a:cs typeface="Times New Roman" panose="02020603050405020304" pitchFamily="18" charset="0"/>
+              </a:rPr>
+              <a:t>ただし</a:t>
+            </a:r>
+            <a:r>
+              <a:rPr kumimoji="1" lang="en-US" altLang="ja-JP" sz="2000" dirty="0">
+                <a:latin typeface="Times New Roman" panose="02020603050405020304" pitchFamily="18" charset="0"/>
+                <a:cs typeface="Times New Roman" panose="02020603050405020304" pitchFamily="18" charset="0"/>
+              </a:rPr>
+              <a:t>Google </a:t>
+            </a:r>
             <a:r>
               <a:rPr kumimoji="1" lang="en-US" altLang="ja-JP" sz="2000" dirty="0" err="1">
                 <a:latin typeface="Times New Roman" panose="02020603050405020304" pitchFamily="18" charset="0"/>
                 <a:cs typeface="Times New Roman" panose="02020603050405020304" pitchFamily="18" charset="0"/>
               </a:rPr>
-              <a:t>acquisition_weight</a:t>
-            </a:r>
-            <a:r>
-              <a:rPr kumimoji="1" lang="en-US" altLang="ja-JP" sz="2000" dirty="0">
-                <a:latin typeface="Times New Roman" panose="02020603050405020304" pitchFamily="18" charset="0"/>
-                <a:cs typeface="Times New Roman" panose="02020603050405020304" pitchFamily="18" charset="0"/>
-              </a:rPr>
-              <a:t>,  jitter			</a:t>
-            </a:r>
-            <a:r>
-              <a:rPr lang="ja-JP" altLang="en-US" sz="2000" dirty="0">
-                <a:latin typeface="Times New Roman" panose="02020603050405020304" pitchFamily="18" charset="0"/>
-                <a:cs typeface="Times New Roman" panose="02020603050405020304" pitchFamily="18" charset="0"/>
-              </a:rPr>
-              <a:t>大きいほど探索重視、小さいほど予測重視</a:t>
+              <a:t>Colaboratory</a:t>
+            </a:r>
+            <a:r>
+              <a:rPr kumimoji="1" lang="ja-JP" altLang="en-US" sz="2000" dirty="0">
+                <a:latin typeface="Times New Roman" panose="02020603050405020304" pitchFamily="18" charset="0"/>
+                <a:cs typeface="Times New Roman" panose="02020603050405020304" pitchFamily="18" charset="0"/>
+              </a:rPr>
+              <a:t>の場合、</a:t>
             </a:r>
             <a:endParaRPr kumimoji="1" lang="en-US" altLang="ja-JP" sz="2000" dirty="0">
               <a:latin typeface="Times New Roman" panose="02020603050405020304" pitchFamily="18" charset="0"/>
@@ -10198,273 +10132,268 @@
             </a:endParaRPr>
           </a:p>
           <a:p>
-            <a:pPr marL="800100" lvl="1" indent="-342900">
-              <a:buFont typeface="Arial" panose="020B0604020202020204" pitchFamily="34" charset="0"/>
-              <a:buChar char="•"/>
-            </a:pPr>
-            <a:r>
-              <a:rPr kumimoji="1" lang="en-US" altLang="ja-JP" sz="2000" dirty="0" err="1">
-                <a:latin typeface="Times New Roman" panose="02020603050405020304" pitchFamily="18" charset="0"/>
-                <a:cs typeface="Times New Roman" panose="02020603050405020304" pitchFamily="18" charset="0"/>
-              </a:rPr>
-              <a:t>de_duplication</a:t>
-            </a:r>
+            <a:pPr algn="ctr"/>
             <a:r>
               <a:rPr kumimoji="1" lang="en-US" altLang="ja-JP" sz="2000" dirty="0">
                 <a:latin typeface="Times New Roman" panose="02020603050405020304" pitchFamily="18" charset="0"/>
                 <a:cs typeface="Times New Roman" panose="02020603050405020304" pitchFamily="18" charset="0"/>
               </a:rPr>
-              <a:t>			</a:t>
-            </a:r>
-            <a:r>
-              <a:rPr lang="en-US" altLang="ja-JP" sz="2000" dirty="0">
-                <a:latin typeface="Times New Roman" panose="02020603050405020304" pitchFamily="18" charset="0"/>
-                <a:cs typeface="Times New Roman" panose="02020603050405020304" pitchFamily="18" charset="0"/>
-              </a:rPr>
-              <a:t>	</a:t>
-            </a:r>
-            <a:r>
-              <a:rPr lang="ja-JP" altLang="en-US" sz="2000" dirty="0">
-                <a:latin typeface="Times New Roman" panose="02020603050405020304" pitchFamily="18" charset="0"/>
-                <a:cs typeface="Times New Roman" panose="02020603050405020304" pitchFamily="18" charset="0"/>
-              </a:rPr>
-              <a:t>重複したデータのサンプル</a:t>
-            </a:r>
-            <a:r>
-              <a:rPr lang="en-US" altLang="ja-JP" sz="2000" dirty="0">
-                <a:latin typeface="Times New Roman" panose="02020603050405020304" pitchFamily="18" charset="0"/>
-                <a:cs typeface="Times New Roman" panose="02020603050405020304" pitchFamily="18" charset="0"/>
-              </a:rPr>
-              <a:t>(True</a:t>
-            </a:r>
-            <a:r>
-              <a:rPr lang="ja-JP" altLang="en-US" sz="2000" dirty="0">
-                <a:latin typeface="Times New Roman" panose="02020603050405020304" pitchFamily="18" charset="0"/>
-                <a:cs typeface="Times New Roman" panose="02020603050405020304" pitchFamily="18" charset="0"/>
-              </a:rPr>
-              <a:t>で重複しない</a:t>
-            </a:r>
-            <a:r>
-              <a:rPr lang="en-US" altLang="ja-JP" sz="2000" dirty="0">
-                <a:latin typeface="Times New Roman" panose="02020603050405020304" pitchFamily="18" charset="0"/>
-                <a:cs typeface="Times New Roman" panose="02020603050405020304" pitchFamily="18" charset="0"/>
-              </a:rPr>
-              <a:t>)</a:t>
-            </a:r>
-          </a:p>
-          <a:p>
-            <a:pPr marL="800100" lvl="1" indent="-342900">
-              <a:buFont typeface="Arial" panose="020B0604020202020204" pitchFamily="34" charset="0"/>
-              <a:buChar char="•"/>
-            </a:pPr>
-            <a:r>
-              <a:rPr kumimoji="1" lang="en-US" altLang="ja-JP" sz="2000" dirty="0" err="1">
-                <a:latin typeface="Times New Roman" panose="02020603050405020304" pitchFamily="18" charset="0"/>
-                <a:cs typeface="Times New Roman" panose="02020603050405020304" pitchFamily="18" charset="0"/>
-              </a:rPr>
-              <a:t>normalize_Y</a:t>
-            </a:r>
-            <a:r>
-              <a:rPr kumimoji="1" lang="en-US" altLang="ja-JP" sz="2000" dirty="0">
-                <a:latin typeface="Times New Roman" panose="02020603050405020304" pitchFamily="18" charset="0"/>
-                <a:cs typeface="Times New Roman" panose="02020603050405020304" pitchFamily="18" charset="0"/>
-              </a:rPr>
-              <a:t>				</a:t>
+              <a:t>12</a:t>
             </a:r>
             <a:r>
               <a:rPr kumimoji="1" lang="ja-JP" altLang="en-US" sz="2000" dirty="0">
                 <a:latin typeface="Times New Roman" panose="02020603050405020304" pitchFamily="18" charset="0"/>
                 <a:cs typeface="Times New Roman" panose="02020603050405020304" pitchFamily="18" charset="0"/>
               </a:rPr>
-              <a:t>評価関数の規格化</a:t>
+              <a:t>時間でリセットされてしまうため注意</a:t>
             </a:r>
             <a:endParaRPr kumimoji="1" lang="en-US" altLang="ja-JP" sz="2000" dirty="0">
               <a:latin typeface="Times New Roman" panose="02020603050405020304" pitchFamily="18" charset="0"/>
               <a:cs typeface="Times New Roman" panose="02020603050405020304" pitchFamily="18" charset="0"/>
             </a:endParaRPr>
           </a:p>
-          <a:p>
-            <a:pPr marL="800100" lvl="1" indent="-342900">
-              <a:buFont typeface="Arial" panose="020B0604020202020204" pitchFamily="34" charset="0"/>
-              <a:buChar char="•"/>
-            </a:pPr>
-            <a:r>
-              <a:rPr kumimoji="1" lang="en-US" altLang="ja-JP" sz="2000" dirty="0">
-                <a:latin typeface="Times New Roman" panose="02020603050405020304" pitchFamily="18" charset="0"/>
-                <a:cs typeface="Times New Roman" panose="02020603050405020304" pitchFamily="18" charset="0"/>
-              </a:rPr>
-              <a:t>maximize					</a:t>
-            </a:r>
-            <a:r>
-              <a:rPr kumimoji="1" lang="ja-JP" altLang="en-US" sz="2000" dirty="0">
-                <a:latin typeface="Times New Roman" panose="02020603050405020304" pitchFamily="18" charset="0"/>
-                <a:cs typeface="Times New Roman" panose="02020603050405020304" pitchFamily="18" charset="0"/>
-              </a:rPr>
-              <a:t>評価関数の最大化</a:t>
-            </a:r>
-            <a:r>
-              <a:rPr kumimoji="1" lang="en-US" altLang="ja-JP" sz="2000" dirty="0">
-                <a:latin typeface="Times New Roman" panose="02020603050405020304" pitchFamily="18" charset="0"/>
-                <a:cs typeface="Times New Roman" panose="02020603050405020304" pitchFamily="18" charset="0"/>
-              </a:rPr>
-              <a:t>(True) or </a:t>
-            </a:r>
-            <a:r>
-              <a:rPr kumimoji="1" lang="ja-JP" altLang="en-US" sz="2000" dirty="0">
-                <a:latin typeface="Times New Roman" panose="02020603050405020304" pitchFamily="18" charset="0"/>
-                <a:cs typeface="Times New Roman" panose="02020603050405020304" pitchFamily="18" charset="0"/>
-              </a:rPr>
-              <a:t>最小化</a:t>
-            </a:r>
-            <a:r>
-              <a:rPr kumimoji="1" lang="en-US" altLang="ja-JP" sz="2000" dirty="0">
-                <a:latin typeface="Times New Roman" panose="02020603050405020304" pitchFamily="18" charset="0"/>
-                <a:cs typeface="Times New Roman" panose="02020603050405020304" pitchFamily="18" charset="0"/>
-              </a:rPr>
-              <a:t>(False)</a:t>
-            </a:r>
-          </a:p>
-          <a:p>
-            <a:endParaRPr lang="en-US" altLang="ja-JP" sz="1200" dirty="0">
-              <a:latin typeface="Times New Roman" panose="02020603050405020304" pitchFamily="18" charset="0"/>
-              <a:cs typeface="Times New Roman" panose="02020603050405020304" pitchFamily="18" charset="0"/>
-            </a:endParaRPr>
-          </a:p>
-          <a:p>
-            <a:r>
-              <a:rPr kumimoji="1" lang="en-US" altLang="ja-JP" sz="2000" b="1" dirty="0" err="1">
-                <a:latin typeface="Times New Roman" panose="02020603050405020304" pitchFamily="18" charset="0"/>
-                <a:cs typeface="Times New Roman" panose="02020603050405020304" pitchFamily="18" charset="0"/>
-              </a:rPr>
-              <a:t>myBopt.run_optimization</a:t>
-            </a:r>
-            <a:r>
-              <a:rPr kumimoji="1" lang="en-US" altLang="ja-JP" sz="2000" b="1" dirty="0">
-                <a:latin typeface="Times New Roman" panose="02020603050405020304" pitchFamily="18" charset="0"/>
-                <a:cs typeface="Times New Roman" panose="02020603050405020304" pitchFamily="18" charset="0"/>
-              </a:rPr>
-              <a:t>(</a:t>
-            </a:r>
-            <a:r>
-              <a:rPr kumimoji="1" lang="en-US" altLang="ja-JP" sz="2000" b="1" dirty="0" err="1">
-                <a:latin typeface="Times New Roman" panose="02020603050405020304" pitchFamily="18" charset="0"/>
-                <a:cs typeface="Times New Roman" panose="02020603050405020304" pitchFamily="18" charset="0"/>
-              </a:rPr>
-              <a:t>max_iter</a:t>
-            </a:r>
-            <a:r>
-              <a:rPr kumimoji="1" lang="en-US" altLang="ja-JP" sz="2000" b="1" dirty="0">
-                <a:latin typeface="Times New Roman" panose="02020603050405020304" pitchFamily="18" charset="0"/>
-                <a:cs typeface="Times New Roman" panose="02020603050405020304" pitchFamily="18" charset="0"/>
-              </a:rPr>
-              <a:t>=**)		</a:t>
-            </a:r>
-            <a:r>
-              <a:rPr kumimoji="1" lang="ja-JP" altLang="en-US" sz="2000" b="1" dirty="0">
-                <a:latin typeface="Times New Roman" panose="02020603050405020304" pitchFamily="18" charset="0"/>
-                <a:cs typeface="Times New Roman" panose="02020603050405020304" pitchFamily="18" charset="0"/>
-              </a:rPr>
-              <a:t>最適化の実行。</a:t>
-            </a:r>
-            <a:r>
-              <a:rPr kumimoji="1" lang="en-US" altLang="ja-JP" sz="2000" b="1" dirty="0">
-                <a:latin typeface="Times New Roman" panose="02020603050405020304" pitchFamily="18" charset="0"/>
-                <a:cs typeface="Times New Roman" panose="02020603050405020304" pitchFamily="18" charset="0"/>
-              </a:rPr>
-              <a:t>()</a:t>
-            </a:r>
-            <a:r>
-              <a:rPr kumimoji="1" lang="ja-JP" altLang="en-US" sz="2000" b="1" dirty="0">
-                <a:latin typeface="Times New Roman" panose="02020603050405020304" pitchFamily="18" charset="0"/>
-                <a:cs typeface="Times New Roman" panose="02020603050405020304" pitchFamily="18" charset="0"/>
-              </a:rPr>
-              <a:t>内はイタレーション数</a:t>
-            </a:r>
-            <a:endParaRPr kumimoji="1" lang="en-US" altLang="ja-JP" sz="2000" b="1" dirty="0">
-              <a:latin typeface="Times New Roman" panose="02020603050405020304" pitchFamily="18" charset="0"/>
-              <a:cs typeface="Times New Roman" panose="02020603050405020304" pitchFamily="18" charset="0"/>
-            </a:endParaRPr>
-          </a:p>
-          <a:p>
-            <a:r>
-              <a:rPr kumimoji="1" lang="en-US" altLang="ja-JP" sz="2000" dirty="0" err="1">
-                <a:latin typeface="Times New Roman" panose="02020603050405020304" pitchFamily="18" charset="0"/>
-                <a:cs typeface="Times New Roman" panose="02020603050405020304" pitchFamily="18" charset="0"/>
-              </a:rPr>
-              <a:t>myBopt.plot_acquisition</a:t>
-            </a:r>
-            <a:r>
-              <a:rPr kumimoji="1" lang="en-US" altLang="ja-JP" sz="2000" dirty="0">
-                <a:latin typeface="Times New Roman" panose="02020603050405020304" pitchFamily="18" charset="0"/>
-                <a:cs typeface="Times New Roman" panose="02020603050405020304" pitchFamily="18" charset="0"/>
-              </a:rPr>
-              <a:t>()				</a:t>
-            </a:r>
-            <a:r>
-              <a:rPr kumimoji="1" lang="ja-JP" altLang="en-US" sz="2000" dirty="0">
-                <a:latin typeface="Times New Roman" panose="02020603050405020304" pitchFamily="18" charset="0"/>
-                <a:cs typeface="Times New Roman" panose="02020603050405020304" pitchFamily="18" charset="0"/>
-              </a:rPr>
-              <a:t>評価関数や獲得関数の描写。</a:t>
-            </a:r>
-            <a:r>
-              <a:rPr kumimoji="1" lang="en-US" altLang="ja-JP" sz="2000" dirty="0">
-                <a:latin typeface="Times New Roman" panose="02020603050405020304" pitchFamily="18" charset="0"/>
-                <a:cs typeface="Times New Roman" panose="02020603050405020304" pitchFamily="18" charset="0"/>
-              </a:rPr>
-              <a:t>3</a:t>
-            </a:r>
-            <a:r>
-              <a:rPr kumimoji="1" lang="ja-JP" altLang="en-US" sz="2000" dirty="0">
-                <a:latin typeface="Times New Roman" panose="02020603050405020304" pitchFamily="18" charset="0"/>
-                <a:cs typeface="Times New Roman" panose="02020603050405020304" pitchFamily="18" charset="0"/>
-              </a:rPr>
-              <a:t>次元以上は不可</a:t>
-            </a:r>
-            <a:endParaRPr kumimoji="1" lang="en-US" altLang="ja-JP" sz="2000" dirty="0">
-              <a:latin typeface="Times New Roman" panose="02020603050405020304" pitchFamily="18" charset="0"/>
-              <a:cs typeface="Times New Roman" panose="02020603050405020304" pitchFamily="18" charset="0"/>
-            </a:endParaRPr>
-          </a:p>
-          <a:p>
-            <a:r>
-              <a:rPr kumimoji="1" lang="en-US" altLang="ja-JP" sz="2000" dirty="0" err="1">
-                <a:latin typeface="Times New Roman" panose="02020603050405020304" pitchFamily="18" charset="0"/>
-                <a:cs typeface="Times New Roman" panose="02020603050405020304" pitchFamily="18" charset="0"/>
-              </a:rPr>
-              <a:t>myBopt.plot_convergence</a:t>
-            </a:r>
-            <a:r>
-              <a:rPr kumimoji="1" lang="en-US" altLang="ja-JP" sz="2000" dirty="0">
-                <a:latin typeface="Times New Roman" panose="02020603050405020304" pitchFamily="18" charset="0"/>
-                <a:cs typeface="Times New Roman" panose="02020603050405020304" pitchFamily="18" charset="0"/>
-              </a:rPr>
-              <a:t>()			</a:t>
-            </a:r>
-            <a:r>
-              <a:rPr kumimoji="1" lang="ja-JP" altLang="en-US" sz="2000" dirty="0">
-                <a:latin typeface="Times New Roman" panose="02020603050405020304" pitchFamily="18" charset="0"/>
-                <a:cs typeface="Times New Roman" panose="02020603050405020304" pitchFamily="18" charset="0"/>
-              </a:rPr>
-              <a:t>最適化結果の推移の描写</a:t>
-            </a:r>
-            <a:endParaRPr kumimoji="1" lang="en-US" altLang="ja-JP" sz="2000" dirty="0">
-              <a:latin typeface="Times New Roman" panose="02020603050405020304" pitchFamily="18" charset="0"/>
-              <a:cs typeface="Times New Roman" panose="02020603050405020304" pitchFamily="18" charset="0"/>
-            </a:endParaRPr>
+        </p:txBody>
+      </p:sp>
+      <p:sp>
+        <p:nvSpPr>
+          <p:cNvPr id="11" name="矢印: 下 10">
+            <a:extLst>
+              <a:ext uri="{FF2B5EF4-FFF2-40B4-BE49-F238E27FC236}">
+                <a16:creationId xmlns:a16="http://schemas.microsoft.com/office/drawing/2014/main" id="{E42D13F6-B817-D947-4619-546AB120EA44}"/>
+              </a:ext>
+            </a:extLst>
+          </p:cNvPr>
+          <p:cNvSpPr/>
+          <p:nvPr/>
+        </p:nvSpPr>
+        <p:spPr>
+          <a:xfrm>
+            <a:off x="5214796" y="3570699"/>
+            <a:ext cx="506994" cy="445978"/>
+          </a:xfrm>
+          <a:prstGeom prst="downArrow">
+            <a:avLst/>
+          </a:prstGeom>
+          <a:solidFill>
+            <a:schemeClr val="tx1"/>
+          </a:solidFill>
+          <a:ln>
+            <a:solidFill>
+              <a:schemeClr val="tx1"/>
+            </a:solidFill>
+          </a:ln>
+        </p:spPr>
+        <p:style>
+          <a:lnRef idx="2">
+            <a:schemeClr val="accent1">
+              <a:shade val="15000"/>
+            </a:schemeClr>
+          </a:lnRef>
+          <a:fillRef idx="1">
+            <a:schemeClr val="accent1"/>
+          </a:fillRef>
+          <a:effectRef idx="0">
+            <a:schemeClr val="accent1"/>
+          </a:effectRef>
+          <a:fontRef idx="minor">
+            <a:schemeClr val="lt1"/>
+          </a:fontRef>
+        </p:style>
+        <p:txBody>
+          <a:bodyPr rtlCol="0" anchor="ctr"/>
+          <a:lstStyle/>
+          <a:p>
+            <a:pPr algn="ctr"/>
+            <a:endParaRPr kumimoji="1" lang="ja-JP" altLang="en-US"/>
           </a:p>
         </p:txBody>
       </p:sp>
     </p:spTree>
     <p:extLst>
       <p:ext uri="{BB962C8B-B14F-4D97-AF65-F5344CB8AC3E}">
-        <p14:creationId xmlns:p14="http://schemas.microsoft.com/office/powerpoint/2010/main" val="2620271661"/>
+        <p14:creationId xmlns:p14="http://schemas.microsoft.com/office/powerpoint/2010/main" val="4172456880"/>
       </p:ext>
     </p:extLst>
   </p:cSld>
   <p:clrMapOvr>
     <a:masterClrMapping/>
   </p:clrMapOvr>
+  <p:timing>
+    <p:tnLst>
+      <p:par>
+        <p:cTn id="1" dur="indefinite" restart="never" nodeType="tmRoot">
+          <p:childTnLst>
+            <p:seq concurrent="1" nextAc="seek">
+              <p:cTn id="2" dur="indefinite" nodeType="mainSeq">
+                <p:childTnLst>
+                  <p:par>
+                    <p:cTn id="3" fill="hold">
+                      <p:stCondLst>
+                        <p:cond delay="indefinite"/>
+                      </p:stCondLst>
+                      <p:childTnLst>
+                        <p:par>
+                          <p:cTn id="4" fill="hold">
+                            <p:stCondLst>
+                              <p:cond delay="0"/>
+                            </p:stCondLst>
+                            <p:childTnLst>
+                              <p:par>
+                                <p:cTn id="5" presetID="10" presetClass="entr" presetSubtype="0" fill="hold" grpId="0" nodeType="clickEffect">
+                                  <p:stCondLst>
+                                    <p:cond delay="0"/>
+                                  </p:stCondLst>
+                                  <p:childTnLst>
+                                    <p:set>
+                                      <p:cBhvr>
+                                        <p:cTn id="6" dur="1" fill="hold">
+                                          <p:stCondLst>
+                                            <p:cond delay="0"/>
+                                          </p:stCondLst>
+                                        </p:cTn>
+                                        <p:tgtEl>
+                                          <p:spTgt spid="9"/>
+                                        </p:tgtEl>
+                                        <p:attrNameLst>
+                                          <p:attrName>style.visibility</p:attrName>
+                                        </p:attrNameLst>
+                                      </p:cBhvr>
+                                      <p:to>
+                                        <p:strVal val="visible"/>
+                                      </p:to>
+                                    </p:set>
+                                    <p:animEffect transition="in" filter="fade">
+                                      <p:cBhvr>
+                                        <p:cTn id="7" dur="500"/>
+                                        <p:tgtEl>
+                                          <p:spTgt spid="9"/>
+                                        </p:tgtEl>
+                                      </p:cBhvr>
+                                    </p:animEffect>
+                                  </p:childTnLst>
+                                </p:cTn>
+                              </p:par>
+                            </p:childTnLst>
+                          </p:cTn>
+                        </p:par>
+                      </p:childTnLst>
+                    </p:cTn>
+                  </p:par>
+                  <p:par>
+                    <p:cTn id="8" fill="hold">
+                      <p:stCondLst>
+                        <p:cond delay="indefinite"/>
+                      </p:stCondLst>
+                      <p:childTnLst>
+                        <p:par>
+                          <p:cTn id="9" fill="hold">
+                            <p:stCondLst>
+                              <p:cond delay="0"/>
+                            </p:stCondLst>
+                            <p:childTnLst>
+                              <p:par>
+                                <p:cTn id="10" presetID="10" presetClass="entr" presetSubtype="0" fill="hold" grpId="0" nodeType="clickEffect">
+                                  <p:stCondLst>
+                                    <p:cond delay="0"/>
+                                  </p:stCondLst>
+                                  <p:childTnLst>
+                                    <p:set>
+                                      <p:cBhvr>
+                                        <p:cTn id="11" dur="1" fill="hold">
+                                          <p:stCondLst>
+                                            <p:cond delay="0"/>
+                                          </p:stCondLst>
+                                        </p:cTn>
+                                        <p:tgtEl>
+                                          <p:spTgt spid="10"/>
+                                        </p:tgtEl>
+                                        <p:attrNameLst>
+                                          <p:attrName>style.visibility</p:attrName>
+                                        </p:attrNameLst>
+                                      </p:cBhvr>
+                                      <p:to>
+                                        <p:strVal val="visible"/>
+                                      </p:to>
+                                    </p:set>
+                                    <p:animEffect transition="in" filter="fade">
+                                      <p:cBhvr>
+                                        <p:cTn id="12" dur="500"/>
+                                        <p:tgtEl>
+                                          <p:spTgt spid="10"/>
+                                        </p:tgtEl>
+                                      </p:cBhvr>
+                                    </p:animEffect>
+                                  </p:childTnLst>
+                                </p:cTn>
+                              </p:par>
+                              <p:par>
+                                <p:cTn id="13" presetID="10" presetClass="entr" presetSubtype="0" fill="hold" grpId="0" nodeType="withEffect">
+                                  <p:stCondLst>
+                                    <p:cond delay="0"/>
+                                  </p:stCondLst>
+                                  <p:childTnLst>
+                                    <p:set>
+                                      <p:cBhvr>
+                                        <p:cTn id="14" dur="1" fill="hold">
+                                          <p:stCondLst>
+                                            <p:cond delay="0"/>
+                                          </p:stCondLst>
+                                        </p:cTn>
+                                        <p:tgtEl>
+                                          <p:spTgt spid="11"/>
+                                        </p:tgtEl>
+                                        <p:attrNameLst>
+                                          <p:attrName>style.visibility</p:attrName>
+                                        </p:attrNameLst>
+                                      </p:cBhvr>
+                                      <p:to>
+                                        <p:strVal val="visible"/>
+                                      </p:to>
+                                    </p:set>
+                                    <p:animEffect transition="in" filter="fade">
+                                      <p:cBhvr>
+                                        <p:cTn id="15" dur="500"/>
+                                        <p:tgtEl>
+                                          <p:spTgt spid="11"/>
+                                        </p:tgtEl>
+                                      </p:cBhvr>
+                                    </p:animEffect>
+                                  </p:childTnLst>
+                                </p:cTn>
+                              </p:par>
+                            </p:childTnLst>
+                          </p:cTn>
+                        </p:par>
+                      </p:childTnLst>
+                    </p:cTn>
+                  </p:par>
+                </p:childTnLst>
+              </p:cTn>
+              <p:prevCondLst>
+                <p:cond evt="onPrev" delay="0">
+                  <p:tgtEl>
+                    <p:sldTgt/>
+                  </p:tgtEl>
+                </p:cond>
+              </p:prevCondLst>
+              <p:nextCondLst>
+                <p:cond evt="onNext" delay="0">
+                  <p:tgtEl>
+                    <p:sldTgt/>
+                  </p:tgtEl>
+                </p:cond>
+              </p:nextCondLst>
+            </p:seq>
+          </p:childTnLst>
+        </p:cTn>
+      </p:par>
+    </p:tnLst>
+    <p:bldLst>
+      <p:bldP spid="9" grpId="0" animBg="1"/>
+      <p:bldP spid="10" grpId="0"/>
+      <p:bldP spid="11" grpId="0" animBg="1"/>
+    </p:bldLst>
+  </p:timing>
 </p:sld>
 </file>
 
